--- a/Presentation.pptx
+++ b/Presentation.pptx
@@ -119,7 +119,7 @@
   </p:defaultTextStyle>
   <p:extLst>
     <p:ext uri="{EFAFB233-063F-42B5-8137-9DF3F51BA10A}">
-      <p15:sldGuideLst xmlns:p15="http://schemas.microsoft.com/office/powerpoint/2012/main" xmlns="">
+      <p15:sldGuideLst xmlns="" xmlns:p15="http://schemas.microsoft.com/office/powerpoint/2012/main">
         <p15:guide id="1" orient="horz" pos="2160">
           <p15:clr>
             <a:srgbClr val="A4A3A4"/>
@@ -388,7 +388,7 @@
     </p:spTree>
     <p:extLst>
       <p:ext uri="{BB962C8B-B14F-4D97-AF65-F5344CB8AC3E}">
-        <p14:creationId xmlns:p14="http://schemas.microsoft.com/office/powerpoint/2010/main" xmlns="" val="538008421"/>
+        <p14:creationId xmlns="" xmlns:p14="http://schemas.microsoft.com/office/powerpoint/2010/main" val="538008421"/>
       </p:ext>
     </p:extLst>
   </p:cSld>
@@ -706,7 +706,7 @@
           <p:cNvPr id="8" name="Date Placeholder 7">
             <a:extLst>
               <a:ext uri="{FF2B5EF4-FFF2-40B4-BE49-F238E27FC236}">
-                <a16:creationId xmlns:a16="http://schemas.microsoft.com/office/drawing/2014/main" xmlns="" id="{7FA0ACE7-29A8-47D3-A7D9-257B711D8023}"/>
+                <a16:creationId xmlns="" xmlns:a16="http://schemas.microsoft.com/office/drawing/2014/main" id="{7FA0ACE7-29A8-47D3-A7D9-257B711D8023}"/>
               </a:ext>
             </a:extLst>
           </p:cNvPr>
@@ -736,7 +736,7 @@
           <p:cNvPr id="9" name="Footer Placeholder 8">
             <a:extLst>
               <a:ext uri="{FF2B5EF4-FFF2-40B4-BE49-F238E27FC236}">
-                <a16:creationId xmlns:a16="http://schemas.microsoft.com/office/drawing/2014/main" xmlns="" id="{DEC604B9-52E9-4810-8359-47206518D038}"/>
+                <a16:creationId xmlns="" xmlns:a16="http://schemas.microsoft.com/office/drawing/2014/main" id="{DEC604B9-52E9-4810-8359-47206518D038}"/>
               </a:ext>
             </a:extLst>
           </p:cNvPr>
@@ -769,7 +769,7 @@
           <p:cNvPr id="10" name="Slide Number Placeholder 9">
             <a:extLst>
               <a:ext uri="{FF2B5EF4-FFF2-40B4-BE49-F238E27FC236}">
-                <a16:creationId xmlns:a16="http://schemas.microsoft.com/office/drawing/2014/main" xmlns="" id="{5898A89F-CA25-400F-B05A-AECBF2517E4F}"/>
+                <a16:creationId xmlns="" xmlns:a16="http://schemas.microsoft.com/office/drawing/2014/main" id="{5898A89F-CA25-400F-B05A-AECBF2517E4F}"/>
               </a:ext>
             </a:extLst>
           </p:cNvPr>
@@ -797,7 +797,7 @@
     </p:spTree>
     <p:extLst>
       <p:ext uri="{BB962C8B-B14F-4D97-AF65-F5344CB8AC3E}">
-        <p14:creationId xmlns:p14="http://schemas.microsoft.com/office/powerpoint/2010/main" xmlns="" val="490017585"/>
+        <p14:creationId xmlns="" xmlns:p14="http://schemas.microsoft.com/office/powerpoint/2010/main" val="490017585"/>
       </p:ext>
     </p:extLst>
   </p:cSld>
@@ -996,7 +996,7 @@
     </p:spTree>
     <p:extLst>
       <p:ext uri="{BB962C8B-B14F-4D97-AF65-F5344CB8AC3E}">
-        <p14:creationId xmlns:p14="http://schemas.microsoft.com/office/powerpoint/2010/main" xmlns="" val="1283591147"/>
+        <p14:creationId xmlns="" xmlns:p14="http://schemas.microsoft.com/office/powerpoint/2010/main" val="1283591147"/>
       </p:ext>
     </p:extLst>
   </p:cSld>
@@ -1158,7 +1158,7 @@
           <p:cNvPr id="8" name="Rectangle 7">
             <a:extLst>
               <a:ext uri="{FF2B5EF4-FFF2-40B4-BE49-F238E27FC236}">
-                <a16:creationId xmlns:a16="http://schemas.microsoft.com/office/drawing/2014/main" xmlns="" id="{F6423B97-A5D4-47B9-8861-73B3707A04CF}"/>
+                <a16:creationId xmlns="" xmlns:a16="http://schemas.microsoft.com/office/drawing/2014/main" id="{F6423B97-A5D4-47B9-8861-73B3707A04CF}"/>
               </a:ext>
             </a:extLst>
           </p:cNvPr>
@@ -1201,7 +1201,7 @@
           <p:cNvPr id="9" name="Rectangle 8">
             <a:extLst>
               <a:ext uri="{FF2B5EF4-FFF2-40B4-BE49-F238E27FC236}">
-                <a16:creationId xmlns:a16="http://schemas.microsoft.com/office/drawing/2014/main" xmlns="" id="{1AEC0421-37B4-4481-A10D-69FDF5EC7909}"/>
+                <a16:creationId xmlns="" xmlns:a16="http://schemas.microsoft.com/office/drawing/2014/main" id="{1AEC0421-37B4-4481-A10D-69FDF5EC7909}"/>
               </a:ext>
             </a:extLst>
           </p:cNvPr>
@@ -1244,7 +1244,7 @@
           <p:cNvPr id="10" name="Rectangle 9">
             <a:extLst>
               <a:ext uri="{FF2B5EF4-FFF2-40B4-BE49-F238E27FC236}">
-                <a16:creationId xmlns:a16="http://schemas.microsoft.com/office/drawing/2014/main" xmlns="" id="{5F7265B5-9F97-4F1E-99E9-74F7B7E62337}"/>
+                <a16:creationId xmlns="" xmlns:a16="http://schemas.microsoft.com/office/drawing/2014/main" id="{5F7265B5-9F97-4F1E-99E9-74F7B7E62337}"/>
               </a:ext>
             </a:extLst>
           </p:cNvPr>
@@ -1287,7 +1287,7 @@
           <p:cNvPr id="11" name="Date Placeholder 10">
             <a:extLst>
               <a:ext uri="{FF2B5EF4-FFF2-40B4-BE49-F238E27FC236}">
-                <a16:creationId xmlns:a16="http://schemas.microsoft.com/office/drawing/2014/main" xmlns="" id="{5C74A470-3BD3-4F33-80E5-67E6E87FCBE7}"/>
+                <a16:creationId xmlns="" xmlns:a16="http://schemas.microsoft.com/office/drawing/2014/main" id="{5C74A470-3BD3-4F33-80E5-67E6E87FCBE7}"/>
               </a:ext>
             </a:extLst>
           </p:cNvPr>
@@ -1317,7 +1317,7 @@
           <p:cNvPr id="12" name="Footer Placeholder 11">
             <a:extLst>
               <a:ext uri="{FF2B5EF4-FFF2-40B4-BE49-F238E27FC236}">
-                <a16:creationId xmlns:a16="http://schemas.microsoft.com/office/drawing/2014/main" xmlns="" id="{9A3A30BA-DB50-4D7D-BCDE-17D20FB354DF}"/>
+                <a16:creationId xmlns="" xmlns:a16="http://schemas.microsoft.com/office/drawing/2014/main" id="{9A3A30BA-DB50-4D7D-BCDE-17D20FB354DF}"/>
               </a:ext>
             </a:extLst>
           </p:cNvPr>
@@ -1350,7 +1350,7 @@
           <p:cNvPr id="13" name="Slide Number Placeholder 12">
             <a:extLst>
               <a:ext uri="{FF2B5EF4-FFF2-40B4-BE49-F238E27FC236}">
-                <a16:creationId xmlns:a16="http://schemas.microsoft.com/office/drawing/2014/main" xmlns="" id="{76FF9E58-C0B2-436B-A21C-DB45A00D6515}"/>
+                <a16:creationId xmlns="" xmlns:a16="http://schemas.microsoft.com/office/drawing/2014/main" id="{76FF9E58-C0B2-436B-A21C-DB45A00D6515}"/>
               </a:ext>
             </a:extLst>
           </p:cNvPr>
@@ -1378,7 +1378,7 @@
     </p:spTree>
     <p:extLst>
       <p:ext uri="{BB962C8B-B14F-4D97-AF65-F5344CB8AC3E}">
-        <p14:creationId xmlns:p14="http://schemas.microsoft.com/office/powerpoint/2010/main" xmlns="" val="3388849626"/>
+        <p14:creationId xmlns="" xmlns:p14="http://schemas.microsoft.com/office/powerpoint/2010/main" val="3388849626"/>
       </p:ext>
     </p:extLst>
   </p:cSld>
@@ -1493,7 +1493,7 @@
           <p:cNvPr id="8" name="Date Placeholder 7">
             <a:extLst>
               <a:ext uri="{FF2B5EF4-FFF2-40B4-BE49-F238E27FC236}">
-                <a16:creationId xmlns:a16="http://schemas.microsoft.com/office/drawing/2014/main" xmlns="" id="{770E6237-3456-439F-802D-3BA93FC7E3E5}"/>
+                <a16:creationId xmlns="" xmlns:a16="http://schemas.microsoft.com/office/drawing/2014/main" id="{770E6237-3456-439F-802D-3BA93FC7E3E5}"/>
               </a:ext>
             </a:extLst>
           </p:cNvPr>
@@ -1521,7 +1521,7 @@
     </p:spTree>
     <p:extLst>
       <p:ext uri="{BB962C8B-B14F-4D97-AF65-F5344CB8AC3E}">
-        <p14:creationId xmlns:p14="http://schemas.microsoft.com/office/powerpoint/2010/main" xmlns="" val="852443411"/>
+        <p14:creationId xmlns="" xmlns:p14="http://schemas.microsoft.com/office/powerpoint/2010/main" val="852443411"/>
       </p:ext>
     </p:extLst>
   </p:cSld>
@@ -1751,7 +1751,7 @@
           <p:cNvPr id="7" name="Date Placeholder 6">
             <a:extLst>
               <a:ext uri="{FF2B5EF4-FFF2-40B4-BE49-F238E27FC236}">
-                <a16:creationId xmlns:a16="http://schemas.microsoft.com/office/drawing/2014/main" xmlns="" id="{61582016-5696-4A93-887F-BBB3B9002FE5}"/>
+                <a16:creationId xmlns="" xmlns:a16="http://schemas.microsoft.com/office/drawing/2014/main" id="{61582016-5696-4A93-887F-BBB3B9002FE5}"/>
               </a:ext>
             </a:extLst>
           </p:cNvPr>
@@ -1781,7 +1781,7 @@
           <p:cNvPr id="9" name="Footer Placeholder 8">
             <a:extLst>
               <a:ext uri="{FF2B5EF4-FFF2-40B4-BE49-F238E27FC236}">
-                <a16:creationId xmlns:a16="http://schemas.microsoft.com/office/drawing/2014/main" xmlns="" id="{857CFCD5-1192-4E18-8A8F-29E153B44DA4}"/>
+                <a16:creationId xmlns="" xmlns:a16="http://schemas.microsoft.com/office/drawing/2014/main" id="{857CFCD5-1192-4E18-8A8F-29E153B44DA4}"/>
               </a:ext>
             </a:extLst>
           </p:cNvPr>
@@ -1814,7 +1814,7 @@
           <p:cNvPr id="10" name="Slide Number Placeholder 9">
             <a:extLst>
               <a:ext uri="{FF2B5EF4-FFF2-40B4-BE49-F238E27FC236}">
-                <a16:creationId xmlns:a16="http://schemas.microsoft.com/office/drawing/2014/main" xmlns="" id="{E39A109E-5018-4794-92B3-FD5E5BCD95E8}"/>
+                <a16:creationId xmlns="" xmlns:a16="http://schemas.microsoft.com/office/drawing/2014/main" id="{E39A109E-5018-4794-92B3-FD5E5BCD95E8}"/>
               </a:ext>
             </a:extLst>
           </p:cNvPr>
@@ -1842,7 +1842,7 @@
     </p:spTree>
     <p:extLst>
       <p:ext uri="{BB962C8B-B14F-4D97-AF65-F5344CB8AC3E}">
-        <p14:creationId xmlns:p14="http://schemas.microsoft.com/office/powerpoint/2010/main" xmlns="" val="366680978"/>
+        <p14:creationId xmlns="" xmlns:p14="http://schemas.microsoft.com/office/powerpoint/2010/main" val="366680978"/>
       </p:ext>
     </p:extLst>
   </p:cSld>
@@ -2090,7 +2090,7 @@
     </p:spTree>
     <p:extLst>
       <p:ext uri="{BB962C8B-B14F-4D97-AF65-F5344CB8AC3E}">
-        <p14:creationId xmlns:p14="http://schemas.microsoft.com/office/powerpoint/2010/main" xmlns="" val="2483323219"/>
+        <p14:creationId xmlns="" xmlns:p14="http://schemas.microsoft.com/office/powerpoint/2010/main" val="2483323219"/>
       </p:ext>
     </p:extLst>
   </p:cSld>
@@ -2519,7 +2519,7 @@
     </p:spTree>
     <p:extLst>
       <p:ext uri="{BB962C8B-B14F-4D97-AF65-F5344CB8AC3E}">
-        <p14:creationId xmlns:p14="http://schemas.microsoft.com/office/powerpoint/2010/main" xmlns="" val="1748046589"/>
+        <p14:creationId xmlns="" xmlns:p14="http://schemas.microsoft.com/office/powerpoint/2010/main" val="1748046589"/>
       </p:ext>
     </p:extLst>
   </p:cSld>
@@ -2651,7 +2651,7 @@
     </p:spTree>
     <p:extLst>
       <p:ext uri="{BB962C8B-B14F-4D97-AF65-F5344CB8AC3E}">
-        <p14:creationId xmlns:p14="http://schemas.microsoft.com/office/powerpoint/2010/main" xmlns="" val="112936382"/>
+        <p14:creationId xmlns="" xmlns:p14="http://schemas.microsoft.com/office/powerpoint/2010/main" val="112936382"/>
       </p:ext>
     </p:extLst>
   </p:cSld>
@@ -2756,7 +2756,7 @@
     </p:spTree>
     <p:extLst>
       <p:ext uri="{BB962C8B-B14F-4D97-AF65-F5344CB8AC3E}">
-        <p14:creationId xmlns:p14="http://schemas.microsoft.com/office/powerpoint/2010/main" xmlns="" val="1129494974"/>
+        <p14:creationId xmlns="" xmlns:p14="http://schemas.microsoft.com/office/powerpoint/2010/main" val="1129494974"/>
       </p:ext>
     </p:extLst>
   </p:cSld>
@@ -3057,7 +3057,7 @@
           <p:cNvPr id="8" name="Date Placeholder 7">
             <a:extLst>
               <a:ext uri="{FF2B5EF4-FFF2-40B4-BE49-F238E27FC236}">
-                <a16:creationId xmlns:a16="http://schemas.microsoft.com/office/drawing/2014/main" xmlns="" id="{0B919CC2-2A65-446F-B538-9E6249035445}"/>
+                <a16:creationId xmlns="" xmlns:a16="http://schemas.microsoft.com/office/drawing/2014/main" id="{0B919CC2-2A65-446F-B538-9E6249035445}"/>
               </a:ext>
             </a:extLst>
           </p:cNvPr>
@@ -3092,7 +3092,7 @@
           <p:cNvPr id="10" name="Footer Placeholder 9">
             <a:extLst>
               <a:ext uri="{FF2B5EF4-FFF2-40B4-BE49-F238E27FC236}">
-                <a16:creationId xmlns:a16="http://schemas.microsoft.com/office/drawing/2014/main" xmlns="" id="{B72412AE-119E-4982-8B24-63365EFCA796}"/>
+                <a16:creationId xmlns="" xmlns:a16="http://schemas.microsoft.com/office/drawing/2014/main" id="{B72412AE-119E-4982-8B24-63365EFCA796}"/>
               </a:ext>
             </a:extLst>
           </p:cNvPr>
@@ -3125,7 +3125,7 @@
           <p:cNvPr id="11" name="Slide Number Placeholder 10">
             <a:extLst>
               <a:ext uri="{FF2B5EF4-FFF2-40B4-BE49-F238E27FC236}">
-                <a16:creationId xmlns:a16="http://schemas.microsoft.com/office/drawing/2014/main" xmlns="" id="{7FC4BB19-6AD1-45CF-9F99-00B109890FAB}"/>
+                <a16:creationId xmlns="" xmlns:a16="http://schemas.microsoft.com/office/drawing/2014/main" id="{7FC4BB19-6AD1-45CF-9F99-00B109890FAB}"/>
               </a:ext>
             </a:extLst>
           </p:cNvPr>
@@ -3158,7 +3158,7 @@
     </p:spTree>
     <p:extLst>
       <p:ext uri="{BB962C8B-B14F-4D97-AF65-F5344CB8AC3E}">
-        <p14:creationId xmlns:p14="http://schemas.microsoft.com/office/powerpoint/2010/main" xmlns="" val="1261766693"/>
+        <p14:creationId xmlns="" xmlns:p14="http://schemas.microsoft.com/office/powerpoint/2010/main" val="1261766693"/>
       </p:ext>
     </p:extLst>
   </p:cSld>
@@ -3437,7 +3437,7 @@
     </p:spTree>
     <p:extLst>
       <p:ext uri="{BB962C8B-B14F-4D97-AF65-F5344CB8AC3E}">
-        <p14:creationId xmlns:p14="http://schemas.microsoft.com/office/powerpoint/2010/main" xmlns="" val="3573289553"/>
+        <p14:creationId xmlns="" xmlns:p14="http://schemas.microsoft.com/office/powerpoint/2010/main" val="3573289553"/>
       </p:ext>
     </p:extLst>
   </p:cSld>
@@ -3764,7 +3764,7 @@
           <p:cNvPr id="8" name="Picture 7" descr="Logo&#10;&#10;Description automatically generated">
             <a:extLst>
               <a:ext uri="{FF2B5EF4-FFF2-40B4-BE49-F238E27FC236}">
-                <a16:creationId xmlns:a16="http://schemas.microsoft.com/office/drawing/2014/main" xmlns="" id="{14A64E4D-8DED-7830-2955-1BE78C5B0655}"/>
+                <a16:creationId xmlns="" xmlns:a16="http://schemas.microsoft.com/office/drawing/2014/main" id="{14A64E4D-8DED-7830-2955-1BE78C5B0655}"/>
               </a:ext>
             </a:extLst>
           </p:cNvPr>
@@ -3792,7 +3792,7 @@
     </p:spTree>
     <p:extLst>
       <p:ext uri="{BB962C8B-B14F-4D97-AF65-F5344CB8AC3E}">
-        <p14:creationId xmlns:p14="http://schemas.microsoft.com/office/powerpoint/2010/main" xmlns="" val="3000897896"/>
+        <p14:creationId xmlns="" xmlns:p14="http://schemas.microsoft.com/office/powerpoint/2010/main" val="3000897896"/>
       </p:ext>
     </p:extLst>
   </p:cSld>
@@ -4229,7 +4229,7 @@
           <p:cNvPr id="2" name="Title 1">
             <a:extLst>
               <a:ext uri="{FF2B5EF4-FFF2-40B4-BE49-F238E27FC236}">
-                <a16:creationId xmlns:a16="http://schemas.microsoft.com/office/drawing/2014/main" xmlns="" id="{A8A11E26-4C38-41A6-9857-11032CEECD80}"/>
+                <a16:creationId xmlns="" xmlns:a16="http://schemas.microsoft.com/office/drawing/2014/main" id="{A8A11E26-4C38-41A6-9857-11032CEECD80}"/>
               </a:ext>
             </a:extLst>
           </p:cNvPr>
@@ -4435,7 +4435,7 @@
     </p:spTree>
     <p:extLst>
       <p:ext uri="{BB962C8B-B14F-4D97-AF65-F5344CB8AC3E}">
-        <p14:creationId xmlns:p14="http://schemas.microsoft.com/office/powerpoint/2010/main" xmlns="" val="953325580"/>
+        <p14:creationId xmlns="" xmlns:p14="http://schemas.microsoft.com/office/powerpoint/2010/main" val="953325580"/>
       </p:ext>
     </p:extLst>
   </p:cSld>
@@ -4467,7 +4467,7 @@
           <p:cNvPr id="2" name="Title 1">
             <a:extLst>
               <a:ext uri="{FF2B5EF4-FFF2-40B4-BE49-F238E27FC236}">
-                <a16:creationId xmlns:a16="http://schemas.microsoft.com/office/drawing/2014/main" xmlns="" id="{48E9F08C-D61F-627D-C4E5-397E3E84FC45}"/>
+                <a16:creationId xmlns="" xmlns:a16="http://schemas.microsoft.com/office/drawing/2014/main" id="{48E9F08C-D61F-627D-C4E5-397E3E84FC45}"/>
               </a:ext>
             </a:extLst>
           </p:cNvPr>
@@ -4499,7 +4499,7 @@
           <p:cNvPr id="3" name="Content Placeholder 2">
             <a:extLst>
               <a:ext uri="{FF2B5EF4-FFF2-40B4-BE49-F238E27FC236}">
-                <a16:creationId xmlns:a16="http://schemas.microsoft.com/office/drawing/2014/main" xmlns="" id="{51A299DD-46FA-7866-41D8-C1BFCC2F69DD}"/>
+                <a16:creationId xmlns="" xmlns:a16="http://schemas.microsoft.com/office/drawing/2014/main" id="{51A299DD-46FA-7866-41D8-C1BFCC2F69DD}"/>
               </a:ext>
             </a:extLst>
           </p:cNvPr>
@@ -4512,20 +4512,32 @@
         </p:nvSpPr>
         <p:spPr/>
         <p:txBody>
-          <a:bodyPr/>
+          <a:bodyPr>
+            <a:normAutofit/>
+          </a:bodyPr>
           <a:lstStyle/>
           <a:p>
-            <a:r>
-              <a:rPr lang="en-IN" dirty="0"/>
-              <a:t>Make sure that there should be readme file</a:t>
-            </a:r>
+            <a:pPr algn="ctr">
+              <a:buNone/>
+            </a:pPr>
+            <a:r>
+              <a:rPr lang="en-IN" sz="2800" b="1" dirty="0" smtClean="0">
+                <a:latin typeface="Times New Roman" pitchFamily="18" charset="0"/>
+                <a:cs typeface="Times New Roman" pitchFamily="18" charset="0"/>
+              </a:rPr>
+              <a:t>https://github.com/Tanishq-Kandari/AICTE-Internship.git</a:t>
+            </a:r>
+            <a:endParaRPr lang="en-IN" sz="2800" b="1" dirty="0">
+              <a:latin typeface="Times New Roman" pitchFamily="18" charset="0"/>
+              <a:cs typeface="Times New Roman" pitchFamily="18" charset="0"/>
+            </a:endParaRPr>
           </a:p>
         </p:txBody>
       </p:sp>
     </p:spTree>
     <p:extLst>
       <p:ext uri="{BB962C8B-B14F-4D97-AF65-F5344CB8AC3E}">
-        <p14:creationId xmlns:p14="http://schemas.microsoft.com/office/powerpoint/2010/main" xmlns="" val="2230664768"/>
+        <p14:creationId xmlns="" xmlns:p14="http://schemas.microsoft.com/office/powerpoint/2010/main" val="2230664768"/>
       </p:ext>
     </p:extLst>
   </p:cSld>
@@ -4557,7 +4569,7 @@
           <p:cNvPr id="5" name="Title 4">
             <a:extLst>
               <a:ext uri="{FF2B5EF4-FFF2-40B4-BE49-F238E27FC236}">
-                <a16:creationId xmlns:a16="http://schemas.microsoft.com/office/drawing/2014/main" xmlns="" id="{8BE4CA82-64EC-4D4E-A5E5-3EBB66E7B24C}"/>
+                <a16:creationId xmlns="" xmlns:a16="http://schemas.microsoft.com/office/drawing/2014/main" id="{8BE4CA82-64EC-4D4E-A5E5-3EBB66E7B24C}"/>
               </a:ext>
             </a:extLst>
           </p:cNvPr>
@@ -4595,7 +4607,7 @@
     </p:spTree>
     <p:extLst>
       <p:ext uri="{BB962C8B-B14F-4D97-AF65-F5344CB8AC3E}">
-        <p14:creationId xmlns:p14="http://schemas.microsoft.com/office/powerpoint/2010/main" xmlns="" val="4066255318"/>
+        <p14:creationId xmlns="" xmlns:p14="http://schemas.microsoft.com/office/powerpoint/2010/main" val="4066255318"/>
       </p:ext>
     </p:extLst>
   </p:cSld>
@@ -4627,7 +4639,7 @@
           <p:cNvPr id="2" name="Title 1">
             <a:extLst>
               <a:ext uri="{FF2B5EF4-FFF2-40B4-BE49-F238E27FC236}">
-                <a16:creationId xmlns:a16="http://schemas.microsoft.com/office/drawing/2014/main" xmlns="" id="{49FFEB4C-F209-4AE7-AA2B-B3C26CE2C51D}"/>
+                <a16:creationId xmlns="" xmlns:a16="http://schemas.microsoft.com/office/drawing/2014/main" id="{49FFEB4C-F209-4AE7-AA2B-B3C26CE2C51D}"/>
               </a:ext>
             </a:extLst>
           </p:cNvPr>
@@ -4666,7 +4678,7 @@
           <p:cNvPr id="3" name="Content Placeholder 2">
             <a:extLst>
               <a:ext uri="{FF2B5EF4-FFF2-40B4-BE49-F238E27FC236}">
-                <a16:creationId xmlns:a16="http://schemas.microsoft.com/office/drawing/2014/main" xmlns="" id="{B2678641-EEA3-4EC4-BF39-4075B0C120E8}"/>
+                <a16:creationId xmlns="" xmlns:a16="http://schemas.microsoft.com/office/drawing/2014/main" id="{B2678641-EEA3-4EC4-BF39-4075B0C120E8}"/>
               </a:ext>
             </a:extLst>
           </p:cNvPr>
@@ -4832,7 +4844,7 @@
     </p:spTree>
     <p:extLst>
       <p:ext uri="{BB962C8B-B14F-4D97-AF65-F5344CB8AC3E}">
-        <p14:creationId xmlns:p14="http://schemas.microsoft.com/office/powerpoint/2010/main" xmlns="" val="2900153716"/>
+        <p14:creationId xmlns="" xmlns:p14="http://schemas.microsoft.com/office/powerpoint/2010/main" val="2900153716"/>
       </p:ext>
     </p:extLst>
   </p:cSld>
@@ -4864,7 +4876,7 @@
           <p:cNvPr id="5" name="Title 4">
             <a:extLst>
               <a:ext uri="{FF2B5EF4-FFF2-40B4-BE49-F238E27FC236}">
-                <a16:creationId xmlns:a16="http://schemas.microsoft.com/office/drawing/2014/main" xmlns="" id="{8FBA75B4-2DD5-42EB-9397-F36BFB8BA723}"/>
+                <a16:creationId xmlns="" xmlns:a16="http://schemas.microsoft.com/office/drawing/2014/main" id="{8FBA75B4-2DD5-42EB-9397-F36BFB8BA723}"/>
               </a:ext>
             </a:extLst>
           </p:cNvPr>
@@ -4901,7 +4913,7 @@
           <p:cNvPr id="2" name="Content Placeholder 1">
             <a:extLst>
               <a:ext uri="{FF2B5EF4-FFF2-40B4-BE49-F238E27FC236}">
-                <a16:creationId xmlns:a16="http://schemas.microsoft.com/office/drawing/2014/main" xmlns="" id="{8FEE4A9C-3F57-7DA7-91FD-715C3FB47F93}"/>
+                <a16:creationId xmlns="" xmlns:a16="http://schemas.microsoft.com/office/drawing/2014/main" id="{8FEE4A9C-3F57-7DA7-91FD-715C3FB47F93}"/>
               </a:ext>
             </a:extLst>
           </p:cNvPr>
@@ -4959,7 +4971,7 @@
     </p:spTree>
     <p:extLst>
       <p:ext uri="{BB962C8B-B14F-4D97-AF65-F5344CB8AC3E}">
-        <p14:creationId xmlns:p14="http://schemas.microsoft.com/office/powerpoint/2010/main" xmlns="" val="1186421160"/>
+        <p14:creationId xmlns="" xmlns:p14="http://schemas.microsoft.com/office/powerpoint/2010/main" val="1186421160"/>
       </p:ext>
     </p:extLst>
   </p:cSld>
@@ -4991,7 +5003,7 @@
           <p:cNvPr id="5" name="Title 4">
             <a:extLst>
               <a:ext uri="{FF2B5EF4-FFF2-40B4-BE49-F238E27FC236}">
-                <a16:creationId xmlns:a16="http://schemas.microsoft.com/office/drawing/2014/main" xmlns="" id="{8FBA75B4-2DD5-42EB-9397-F36BFB8BA723}"/>
+                <a16:creationId xmlns="" xmlns:a16="http://schemas.microsoft.com/office/drawing/2014/main" id="{8FBA75B4-2DD5-42EB-9397-F36BFB8BA723}"/>
               </a:ext>
             </a:extLst>
           </p:cNvPr>
@@ -5028,7 +5040,7 @@
           <p:cNvPr id="3" name="Rectangle 1">
             <a:extLst>
               <a:ext uri="{FF2B5EF4-FFF2-40B4-BE49-F238E27FC236}">
-                <a16:creationId xmlns:a16="http://schemas.microsoft.com/office/drawing/2014/main" xmlns="" id="{33718772-5BE7-DAB6-7339-51A290D7ADBD}"/>
+                <a16:creationId xmlns="" xmlns:a16="http://schemas.microsoft.com/office/drawing/2014/main" id="{33718772-5BE7-DAB6-7339-51A290D7ADBD}"/>
               </a:ext>
             </a:extLst>
           </p:cNvPr>
@@ -5054,14 +5066,14 @@
           <a:effectLst/>
           <a:extLst>
             <a:ext uri="{909E8E84-426E-40DD-AFC4-6F175D3DCCD1}">
-              <a14:hiddenFill xmlns:a14="http://schemas.microsoft.com/office/drawing/2010/main" xmlns="">
+              <a14:hiddenFill xmlns="" xmlns:a14="http://schemas.microsoft.com/office/drawing/2010/main">
                 <a:solidFill>
                   <a:schemeClr val="accent1"/>
                 </a:solidFill>
               </a14:hiddenFill>
             </a:ext>
             <a:ext uri="{91240B29-F687-4F45-9708-019B960494DF}">
-              <a14:hiddenLine xmlns:a14="http://schemas.microsoft.com/office/drawing/2010/main" xmlns="" w="9525">
+              <a14:hiddenLine xmlns="" xmlns:a14="http://schemas.microsoft.com/office/drawing/2010/main" w="9525">
                 <a:solidFill>
                   <a:schemeClr val="tx1"/>
                 </a:solidFill>
@@ -5071,7 +5083,7 @@
               </a14:hiddenLine>
             </a:ext>
             <a:ext uri="{AF507438-7753-43E0-B8FC-AC1667EBCBE1}">
-              <a14:hiddenEffects xmlns:a14="http://schemas.microsoft.com/office/drawing/2010/main" xmlns="">
+              <a14:hiddenEffects xmlns="" xmlns:a14="http://schemas.microsoft.com/office/drawing/2010/main">
                 <a:effectLst>
                   <a:outerShdw dist="35921" dir="2700000" algn="ctr" rotWithShape="0">
                     <a:schemeClr val="bg2"/>
@@ -5622,7 +5634,7 @@
     </p:spTree>
     <p:extLst>
       <p:ext uri="{BB962C8B-B14F-4D97-AF65-F5344CB8AC3E}">
-        <p14:creationId xmlns:p14="http://schemas.microsoft.com/office/powerpoint/2010/main" xmlns="" val="3210358481"/>
+        <p14:creationId xmlns="" xmlns:p14="http://schemas.microsoft.com/office/powerpoint/2010/main" val="3210358481"/>
       </p:ext>
     </p:extLst>
   </p:cSld>
@@ -5654,7 +5666,7 @@
           <p:cNvPr id="5" name="Title 4">
             <a:extLst>
               <a:ext uri="{FF2B5EF4-FFF2-40B4-BE49-F238E27FC236}">
-                <a16:creationId xmlns:a16="http://schemas.microsoft.com/office/drawing/2014/main" xmlns="" id="{8FBA75B4-2DD5-42EB-9397-F36BFB8BA723}"/>
+                <a16:creationId xmlns="" xmlns:a16="http://schemas.microsoft.com/office/drawing/2014/main" id="{8FBA75B4-2DD5-42EB-9397-F36BFB8BA723}"/>
               </a:ext>
             </a:extLst>
           </p:cNvPr>
@@ -5703,7 +5715,7 @@
           <p:cNvPr id="2" name="Content Placeholder 1">
             <a:extLst>
               <a:ext uri="{FF2B5EF4-FFF2-40B4-BE49-F238E27FC236}">
-                <a16:creationId xmlns:a16="http://schemas.microsoft.com/office/drawing/2014/main" xmlns="" id="{C4FFAF3C-BA60-9181-132C-C36C403AAEA7}"/>
+                <a16:creationId xmlns="" xmlns:a16="http://schemas.microsoft.com/office/drawing/2014/main" id="{C4FFAF3C-BA60-9181-132C-C36C403AAEA7}"/>
               </a:ext>
             </a:extLst>
           </p:cNvPr>
@@ -5815,7 +5827,7 @@
     </p:spTree>
     <p:extLst>
       <p:ext uri="{BB962C8B-B14F-4D97-AF65-F5344CB8AC3E}">
-        <p14:creationId xmlns:p14="http://schemas.microsoft.com/office/powerpoint/2010/main" xmlns="" val="3202024527"/>
+        <p14:creationId xmlns="" xmlns:p14="http://schemas.microsoft.com/office/powerpoint/2010/main" val="3202024527"/>
       </p:ext>
     </p:extLst>
   </p:cSld>
@@ -5847,7 +5859,7 @@
           <p:cNvPr id="2" name="Title 1">
             <a:extLst>
               <a:ext uri="{FF2B5EF4-FFF2-40B4-BE49-F238E27FC236}">
-                <a16:creationId xmlns:a16="http://schemas.microsoft.com/office/drawing/2014/main" xmlns="" id="{5F45986D-DBC5-8220-FE6F-7F2ABC7C4CEE}"/>
+                <a16:creationId xmlns="" xmlns:a16="http://schemas.microsoft.com/office/drawing/2014/main" id="{5F45986D-DBC5-8220-FE6F-7F2ABC7C4CEE}"/>
               </a:ext>
             </a:extLst>
           </p:cNvPr>
@@ -5879,7 +5891,7 @@
           <p:cNvPr id="4" name="Rectangle 1">
             <a:extLst>
               <a:ext uri="{FF2B5EF4-FFF2-40B4-BE49-F238E27FC236}">
-                <a16:creationId xmlns:a16="http://schemas.microsoft.com/office/drawing/2014/main" xmlns="" id="{7C4DC756-C6A1-BABD-87B6-921C42C1DC5C}"/>
+                <a16:creationId xmlns="" xmlns:a16="http://schemas.microsoft.com/office/drawing/2014/main" id="{7C4DC756-C6A1-BABD-87B6-921C42C1DC5C}"/>
               </a:ext>
             </a:extLst>
           </p:cNvPr>
@@ -5905,14 +5917,14 @@
           <a:effectLst/>
           <a:extLst>
             <a:ext uri="{909E8E84-426E-40DD-AFC4-6F175D3DCCD1}">
-              <a14:hiddenFill xmlns:a14="http://schemas.microsoft.com/office/drawing/2010/main" xmlns="">
+              <a14:hiddenFill xmlns="" xmlns:a14="http://schemas.microsoft.com/office/drawing/2010/main">
                 <a:solidFill>
                   <a:schemeClr val="accent1"/>
                 </a:solidFill>
               </a14:hiddenFill>
             </a:ext>
             <a:ext uri="{91240B29-F687-4F45-9708-019B960494DF}">
-              <a14:hiddenLine xmlns:a14="http://schemas.microsoft.com/office/drawing/2010/main" xmlns="" w="9525">
+              <a14:hiddenLine xmlns="" xmlns:a14="http://schemas.microsoft.com/office/drawing/2010/main" w="9525">
                 <a:solidFill>
                   <a:schemeClr val="tx1"/>
                 </a:solidFill>
@@ -5922,7 +5934,7 @@
               </a14:hiddenLine>
             </a:ext>
             <a:ext uri="{AF507438-7753-43E0-B8FC-AC1667EBCBE1}">
-              <a14:hiddenEffects xmlns:a14="http://schemas.microsoft.com/office/drawing/2010/main" xmlns="">
+              <a14:hiddenEffects xmlns="" xmlns:a14="http://schemas.microsoft.com/office/drawing/2010/main">
                 <a:effectLst>
                   <a:outerShdw dist="35921" dir="2700000" algn="ctr" rotWithShape="0">
                     <a:schemeClr val="bg2"/>
@@ -6175,7 +6187,7 @@
     </p:spTree>
     <p:extLst>
       <p:ext uri="{BB962C8B-B14F-4D97-AF65-F5344CB8AC3E}">
-        <p14:creationId xmlns:p14="http://schemas.microsoft.com/office/powerpoint/2010/main" xmlns="" val="3819043843"/>
+        <p14:creationId xmlns="" xmlns:p14="http://schemas.microsoft.com/office/powerpoint/2010/main" val="3819043843"/>
       </p:ext>
     </p:extLst>
   </p:cSld>
@@ -6207,7 +6219,7 @@
           <p:cNvPr id="2" name="Title 1">
             <a:extLst>
               <a:ext uri="{FF2B5EF4-FFF2-40B4-BE49-F238E27FC236}">
-                <a16:creationId xmlns:a16="http://schemas.microsoft.com/office/drawing/2014/main" xmlns="" id="{A4F8070C-FF0D-BBE3-3D8A-C3794CCCE8A2}"/>
+                <a16:creationId xmlns="" xmlns:a16="http://schemas.microsoft.com/office/drawing/2014/main" id="{A4F8070C-FF0D-BBE3-3D8A-C3794CCCE8A2}"/>
               </a:ext>
             </a:extLst>
           </p:cNvPr>
@@ -6247,7 +6259,7 @@
           <p:cNvPr id="7" name="Picture 6" descr="1.&#10;">
             <a:extLst>
               <a:ext uri="{FF2B5EF4-FFF2-40B4-BE49-F238E27FC236}">
-                <a16:creationId xmlns:a16="http://schemas.microsoft.com/office/drawing/2014/main" xmlns="" id="{E6BC5DA2-37AB-972D-054D-EE6969259274}"/>
+                <a16:creationId xmlns="" xmlns:a16="http://schemas.microsoft.com/office/drawing/2014/main" id="{E6BC5DA2-37AB-972D-054D-EE6969259274}"/>
               </a:ext>
             </a:extLst>
           </p:cNvPr>
@@ -6276,7 +6288,7 @@
           <p:cNvPr id="9" name="Picture 8" descr="A screenshot of a computer&#10;&#10;AI-generated content may be incorrect.">
             <a:extLst>
               <a:ext uri="{FF2B5EF4-FFF2-40B4-BE49-F238E27FC236}">
-                <a16:creationId xmlns:a16="http://schemas.microsoft.com/office/drawing/2014/main" xmlns="" id="{444BB63F-F6CA-03A1-7001-A7C2993E0317}"/>
+                <a16:creationId xmlns="" xmlns:a16="http://schemas.microsoft.com/office/drawing/2014/main" id="{444BB63F-F6CA-03A1-7001-A7C2993E0317}"/>
               </a:ext>
             </a:extLst>
           </p:cNvPr>
@@ -6305,7 +6317,7 @@
           <p:cNvPr id="11" name="Picture 10" descr="A screenshot of a computer&#10;&#10;AI-generated content may be incorrect.">
             <a:extLst>
               <a:ext uri="{FF2B5EF4-FFF2-40B4-BE49-F238E27FC236}">
-                <a16:creationId xmlns:a16="http://schemas.microsoft.com/office/drawing/2014/main" xmlns="" id="{7293C31D-0E13-53C9-17F6-8158A04C372F}"/>
+                <a16:creationId xmlns="" xmlns:a16="http://schemas.microsoft.com/office/drawing/2014/main" id="{7293C31D-0E13-53C9-17F6-8158A04C372F}"/>
               </a:ext>
             </a:extLst>
           </p:cNvPr>
@@ -6334,7 +6346,7 @@
           <p:cNvPr id="21" name="Picture 20" descr="A screenshot of a computer&#10;&#10;AI-generated content may be incorrect.">
             <a:extLst>
               <a:ext uri="{FF2B5EF4-FFF2-40B4-BE49-F238E27FC236}">
-                <a16:creationId xmlns:a16="http://schemas.microsoft.com/office/drawing/2014/main" xmlns="" id="{1813DAC9-0322-FE77-4BDA-143E448D7FB7}"/>
+                <a16:creationId xmlns="" xmlns:a16="http://schemas.microsoft.com/office/drawing/2014/main" id="{1813DAC9-0322-FE77-4BDA-143E448D7FB7}"/>
               </a:ext>
             </a:extLst>
           </p:cNvPr>
@@ -6362,7 +6374,7 @@
     </p:spTree>
     <p:extLst>
       <p:ext uri="{BB962C8B-B14F-4D97-AF65-F5344CB8AC3E}">
-        <p14:creationId xmlns:p14="http://schemas.microsoft.com/office/powerpoint/2010/main" xmlns="" val="2083715239"/>
+        <p14:creationId xmlns="" xmlns:p14="http://schemas.microsoft.com/office/powerpoint/2010/main" val="2083715239"/>
       </p:ext>
     </p:extLst>
   </p:cSld>
@@ -6394,7 +6406,7 @@
           <p:cNvPr id="2" name="Title 1">
             <a:extLst>
               <a:ext uri="{FF2B5EF4-FFF2-40B4-BE49-F238E27FC236}">
-                <a16:creationId xmlns:a16="http://schemas.microsoft.com/office/drawing/2014/main" xmlns="" id="{AD3906D6-C8C1-A548-4A68-A7FE36BF31C1}"/>
+                <a16:creationId xmlns="" xmlns:a16="http://schemas.microsoft.com/office/drawing/2014/main" id="{AD3906D6-C8C1-A548-4A68-A7FE36BF31C1}"/>
               </a:ext>
             </a:extLst>
           </p:cNvPr>
@@ -6435,7 +6447,7 @@
           <p:cNvPr id="4" name="Picture 3" descr="A screenshot of a computer&#10;&#10;AI-generated content may be incorrect.">
             <a:extLst>
               <a:ext uri="{FF2B5EF4-FFF2-40B4-BE49-F238E27FC236}">
-                <a16:creationId xmlns:a16="http://schemas.microsoft.com/office/drawing/2014/main" xmlns="" id="{9C53D53F-4CD0-00EB-D553-41A2641ADC0D}"/>
+                <a16:creationId xmlns="" xmlns:a16="http://schemas.microsoft.com/office/drawing/2014/main" id="{9C53D53F-4CD0-00EB-D553-41A2641ADC0D}"/>
               </a:ext>
             </a:extLst>
           </p:cNvPr>
@@ -6464,7 +6476,7 @@
           <p:cNvPr id="13" name="Picture 12" descr="A screenshot of a computer&#10;&#10;AI-generated content may be incorrect.">
             <a:extLst>
               <a:ext uri="{FF2B5EF4-FFF2-40B4-BE49-F238E27FC236}">
-                <a16:creationId xmlns:a16="http://schemas.microsoft.com/office/drawing/2014/main" xmlns="" id="{70B94C97-55D5-7102-5FFC-13F8FBBFC7FA}"/>
+                <a16:creationId xmlns="" xmlns:a16="http://schemas.microsoft.com/office/drawing/2014/main" id="{70B94C97-55D5-7102-5FFC-13F8FBBFC7FA}"/>
               </a:ext>
             </a:extLst>
           </p:cNvPr>
@@ -6493,7 +6505,7 @@
           <p:cNvPr id="15" name="Picture 14" descr="A screenshot of a computer&#10;&#10;AI-generated content may be incorrect.">
             <a:extLst>
               <a:ext uri="{FF2B5EF4-FFF2-40B4-BE49-F238E27FC236}">
-                <a16:creationId xmlns:a16="http://schemas.microsoft.com/office/drawing/2014/main" xmlns="" id="{50FABA59-5957-4920-BB43-B66039E4099A}"/>
+                <a16:creationId xmlns="" xmlns:a16="http://schemas.microsoft.com/office/drawing/2014/main" id="{50FABA59-5957-4920-BB43-B66039E4099A}"/>
               </a:ext>
             </a:extLst>
           </p:cNvPr>
@@ -6520,7 +6532,7 @@
     </p:spTree>
     <p:extLst>
       <p:ext uri="{BB962C8B-B14F-4D97-AF65-F5344CB8AC3E}">
-        <p14:creationId xmlns:p14="http://schemas.microsoft.com/office/powerpoint/2010/main" xmlns="" val="1287528843"/>
+        <p14:creationId xmlns="" xmlns:p14="http://schemas.microsoft.com/office/powerpoint/2010/main" val="1287528843"/>
       </p:ext>
     </p:extLst>
   </p:cSld>
@@ -6552,7 +6564,7 @@
           <p:cNvPr id="2" name="Title 1">
             <a:extLst>
               <a:ext uri="{FF2B5EF4-FFF2-40B4-BE49-F238E27FC236}">
-                <a16:creationId xmlns:a16="http://schemas.microsoft.com/office/drawing/2014/main" xmlns="" id="{FA4C6B3D-1072-C2D2-EBFE-E33CABE394D1}"/>
+                <a16:creationId xmlns="" xmlns:a16="http://schemas.microsoft.com/office/drawing/2014/main" id="{FA4C6B3D-1072-C2D2-EBFE-E33CABE394D1}"/>
               </a:ext>
             </a:extLst>
           </p:cNvPr>
@@ -6584,7 +6596,7 @@
           <p:cNvPr id="3" name="Content Placeholder 2">
             <a:extLst>
               <a:ext uri="{FF2B5EF4-FFF2-40B4-BE49-F238E27FC236}">
-                <a16:creationId xmlns:a16="http://schemas.microsoft.com/office/drawing/2014/main" xmlns="" id="{D4974547-DF1B-77BB-E545-9344EDB9AD3F}"/>
+                <a16:creationId xmlns="" xmlns:a16="http://schemas.microsoft.com/office/drawing/2014/main" id="{D4974547-DF1B-77BB-E545-9344EDB9AD3F}"/>
               </a:ext>
             </a:extLst>
           </p:cNvPr>
@@ -6695,7 +6707,7 @@
     </p:spTree>
     <p:extLst>
       <p:ext uri="{BB962C8B-B14F-4D97-AF65-F5344CB8AC3E}">
-        <p14:creationId xmlns:p14="http://schemas.microsoft.com/office/powerpoint/2010/main" xmlns="" val="4233882376"/>
+        <p14:creationId xmlns="" xmlns:p14="http://schemas.microsoft.com/office/powerpoint/2010/main" val="4233882376"/>
       </p:ext>
     </p:extLst>
   </p:cSld>
@@ -6968,7 +6980,7 @@
   <a:extraClrSchemeLst/>
   <a:extLst>
     <a:ext uri="{05A4C25C-085E-4340-85A3-A5531E510DB2}">
-      <thm15:themeFamily xmlns:thm15="http://schemas.microsoft.com/office/thememl/2012/main" xmlns="" name="DividendVTI" id="{97558BDE-0B66-457C-BB6F-7B1B22DAA9B8}" vid="{F53508A3-AC60-448A-AF37-934D5F1A0D5E}"/>
+      <thm15:themeFamily xmlns="" xmlns:thm15="http://schemas.microsoft.com/office/thememl/2012/main" name="DividendVTI" id="{97558BDE-0B66-457C-BB6F-7B1B22DAA9B8}" vid="{F53508A3-AC60-448A-AF37-934D5F1A0D5E}"/>
     </a:ext>
   </a:extLst>
 </a:theme>
@@ -7263,18 +7275,19 @@
   <a:extraClrSchemeLst/>
   <a:extLst>
     <a:ext uri="{05A4C25C-085E-4340-85A3-A5531E510DB2}">
-      <thm15:themeFamily xmlns:thm15="http://schemas.microsoft.com/office/thememl/2012/main" xmlns="" name="Office Theme" id="{62F939B6-93AF-4DB8-9C6B-D6C7DFDC589F}" vid="{4A3C46E8-61CC-4603-A589-7422A47A8E4A}"/>
+      <thm15:themeFamily xmlns="" xmlns:thm15="http://schemas.microsoft.com/office/thememl/2012/main" name="Office Theme" id="{62F939B6-93AF-4DB8-9C6B-D6C7DFDC589F}" vid="{4A3C46E8-61CC-4603-A589-7422A47A8E4A}"/>
     </a:ext>
   </a:extLst>
 </a:theme>
 </file>
 
 <file path=customXml/item1.xml><?xml version="1.0" encoding="utf-8"?>
-<p:properties xmlns:p="http://schemas.microsoft.com/office/2006/metadata/properties" xmlns:xsi="http://www.w3.org/2001/XMLSchema-instance" xmlns:pc="http://schemas.microsoft.com/office/infopath/2007/PartnerControls">
-  <documentManagement>
-    <_activity xmlns="b30265f8-c5e2-4918-b4a1-b977299ca3e2" xsi:nil="true"/>
-  </documentManagement>
-</p:properties>
+<?mso-contentType ?>
+<FormTemplates xmlns="http://schemas.microsoft.com/sharepoint/v3/contenttype/forms">
+  <Display>DocumentLibraryForm</Display>
+  <Edit>DocumentLibraryForm</Edit>
+  <New>DocumentLibraryForm</New>
+</FormTemplates>
 </file>
 
 <file path=customXml/item2.xml><?xml version="1.0" encoding="utf-8"?>
@@ -7511,27 +7524,17 @@
 </file>
 
 <file path=customXml/item3.xml><?xml version="1.0" encoding="utf-8"?>
-<?mso-contentType ?>
-<FormTemplates xmlns="http://schemas.microsoft.com/sharepoint/v3/contenttype/forms">
-  <Display>DocumentLibraryForm</Display>
-  <Edit>DocumentLibraryForm</Edit>
-  <New>DocumentLibraryForm</New>
-</FormTemplates>
+<p:properties xmlns:p="http://schemas.microsoft.com/office/2006/metadata/properties" xmlns:xsi="http://www.w3.org/2001/XMLSchema-instance" xmlns:pc="http://schemas.microsoft.com/office/infopath/2007/PartnerControls">
+  <documentManagement>
+    <_activity xmlns="b30265f8-c5e2-4918-b4a1-b977299ca3e2" xsi:nil="true"/>
+  </documentManagement>
+</p:properties>
 </file>
 
 <file path=customXml/itemProps1.xml><?xml version="1.0" encoding="utf-8"?>
-<ds:datastoreItem xmlns:ds="http://schemas.openxmlformats.org/officeDocument/2006/customXml" ds:itemID="{8D289AE2-D2AE-49D1-AFAC-3A79F6794255}">
+<ds:datastoreItem xmlns:ds="http://schemas.openxmlformats.org/officeDocument/2006/customXml" ds:itemID="{927BD4C1-B6B1-4715-ABF9-E660A51A4EA0}">
   <ds:schemaRefs>
-    <ds:schemaRef ds:uri="http://schemas.openxmlformats.org/package/2006/metadata/core-properties"/>
-    <ds:schemaRef ds:uri="http://schemas.microsoft.com/office/2006/documentManagement/types"/>
-    <ds:schemaRef ds:uri="http://purl.org/dc/dcmitype/"/>
-    <ds:schemaRef ds:uri="http://schemas.microsoft.com/office/infopath/2007/PartnerControls"/>
-    <ds:schemaRef ds:uri="http://purl.org/dc/elements/1.1/"/>
-    <ds:schemaRef ds:uri="http://schemas.microsoft.com/office/2006/metadata/properties"/>
-    <ds:schemaRef ds:uri="fadb41d3-f9cb-40fb-903c-8cacaba95bb5"/>
-    <ds:schemaRef ds:uri="http://purl.org/dc/terms/"/>
-    <ds:schemaRef ds:uri="b30265f8-c5e2-4918-b4a1-b977299ca3e2"/>
-    <ds:schemaRef ds:uri="http://www.w3.org/XML/1998/namespace"/>
+    <ds:schemaRef ds:uri="http://schemas.microsoft.com/sharepoint/v3/contenttype/forms"/>
   </ds:schemaRefs>
 </ds:datastoreItem>
 </file>
@@ -7556,9 +7559,18 @@
 </file>
 
 <file path=customXml/itemProps3.xml><?xml version="1.0" encoding="utf-8"?>
-<ds:datastoreItem xmlns:ds="http://schemas.openxmlformats.org/officeDocument/2006/customXml" ds:itemID="{927BD4C1-B6B1-4715-ABF9-E660A51A4EA0}">
+<ds:datastoreItem xmlns:ds="http://schemas.openxmlformats.org/officeDocument/2006/customXml" ds:itemID="{8D289AE2-D2AE-49D1-AFAC-3A79F6794255}">
   <ds:schemaRefs>
-    <ds:schemaRef ds:uri="http://schemas.microsoft.com/sharepoint/v3/contenttype/forms"/>
+    <ds:schemaRef ds:uri="http://schemas.openxmlformats.org/package/2006/metadata/core-properties"/>
+    <ds:schemaRef ds:uri="http://schemas.microsoft.com/office/2006/documentManagement/types"/>
+    <ds:schemaRef ds:uri="http://purl.org/dc/dcmitype/"/>
+    <ds:schemaRef ds:uri="http://schemas.microsoft.com/office/infopath/2007/PartnerControls"/>
+    <ds:schemaRef ds:uri="http://purl.org/dc/elements/1.1/"/>
+    <ds:schemaRef ds:uri="http://schemas.microsoft.com/office/2006/metadata/properties"/>
+    <ds:schemaRef ds:uri="fadb41d3-f9cb-40fb-903c-8cacaba95bb5"/>
+    <ds:schemaRef ds:uri="http://purl.org/dc/terms/"/>
+    <ds:schemaRef ds:uri="b30265f8-c5e2-4918-b4a1-b977299ca3e2"/>
+    <ds:schemaRef ds:uri="http://www.w3.org/XML/1998/namespace"/>
   </ds:schemaRefs>
 </ds:datastoreItem>
 </file>
--- a/Presentation.pptx
+++ b/Presentation.pptx
@@ -119,7 +119,7 @@
   </p:defaultTextStyle>
   <p:extLst>
     <p:ext uri="{EFAFB233-063F-42B5-8137-9DF3F51BA10A}">
-      <p15:sldGuideLst xmlns="" xmlns:p15="http://schemas.microsoft.com/office/powerpoint/2012/main">
+      <p15:sldGuideLst xmlns:p15="http://schemas.microsoft.com/office/powerpoint/2012/main" xmlns="">
         <p15:guide id="1" orient="horz" pos="2160">
           <p15:clr>
             <a:srgbClr val="A4A3A4"/>
@@ -388,7 +388,7 @@
     </p:spTree>
     <p:extLst>
       <p:ext uri="{BB962C8B-B14F-4D97-AF65-F5344CB8AC3E}">
-        <p14:creationId xmlns="" xmlns:p14="http://schemas.microsoft.com/office/powerpoint/2010/main" val="538008421"/>
+        <p14:creationId xmlns:p14="http://schemas.microsoft.com/office/powerpoint/2010/main" xmlns="" val="538008421"/>
       </p:ext>
     </p:extLst>
   </p:cSld>
@@ -706,7 +706,7 @@
           <p:cNvPr id="8" name="Date Placeholder 7">
             <a:extLst>
               <a:ext uri="{FF2B5EF4-FFF2-40B4-BE49-F238E27FC236}">
-                <a16:creationId xmlns="" xmlns:a16="http://schemas.microsoft.com/office/drawing/2014/main" id="{7FA0ACE7-29A8-47D3-A7D9-257B711D8023}"/>
+                <a16:creationId xmlns:a16="http://schemas.microsoft.com/office/drawing/2014/main" xmlns="" id="{7FA0ACE7-29A8-47D3-A7D9-257B711D8023}"/>
               </a:ext>
             </a:extLst>
           </p:cNvPr>
@@ -736,7 +736,7 @@
           <p:cNvPr id="9" name="Footer Placeholder 8">
             <a:extLst>
               <a:ext uri="{FF2B5EF4-FFF2-40B4-BE49-F238E27FC236}">
-                <a16:creationId xmlns="" xmlns:a16="http://schemas.microsoft.com/office/drawing/2014/main" id="{DEC604B9-52E9-4810-8359-47206518D038}"/>
+                <a16:creationId xmlns:a16="http://schemas.microsoft.com/office/drawing/2014/main" xmlns="" id="{DEC604B9-52E9-4810-8359-47206518D038}"/>
               </a:ext>
             </a:extLst>
           </p:cNvPr>
@@ -769,7 +769,7 @@
           <p:cNvPr id="10" name="Slide Number Placeholder 9">
             <a:extLst>
               <a:ext uri="{FF2B5EF4-FFF2-40B4-BE49-F238E27FC236}">
-                <a16:creationId xmlns="" xmlns:a16="http://schemas.microsoft.com/office/drawing/2014/main" id="{5898A89F-CA25-400F-B05A-AECBF2517E4F}"/>
+                <a16:creationId xmlns:a16="http://schemas.microsoft.com/office/drawing/2014/main" xmlns="" id="{5898A89F-CA25-400F-B05A-AECBF2517E4F}"/>
               </a:ext>
             </a:extLst>
           </p:cNvPr>
@@ -797,7 +797,7 @@
     </p:spTree>
     <p:extLst>
       <p:ext uri="{BB962C8B-B14F-4D97-AF65-F5344CB8AC3E}">
-        <p14:creationId xmlns="" xmlns:p14="http://schemas.microsoft.com/office/powerpoint/2010/main" val="490017585"/>
+        <p14:creationId xmlns:p14="http://schemas.microsoft.com/office/powerpoint/2010/main" xmlns="" val="490017585"/>
       </p:ext>
     </p:extLst>
   </p:cSld>
@@ -996,7 +996,7 @@
     </p:spTree>
     <p:extLst>
       <p:ext uri="{BB962C8B-B14F-4D97-AF65-F5344CB8AC3E}">
-        <p14:creationId xmlns="" xmlns:p14="http://schemas.microsoft.com/office/powerpoint/2010/main" val="1283591147"/>
+        <p14:creationId xmlns:p14="http://schemas.microsoft.com/office/powerpoint/2010/main" xmlns="" val="1283591147"/>
       </p:ext>
     </p:extLst>
   </p:cSld>
@@ -1158,7 +1158,7 @@
           <p:cNvPr id="8" name="Rectangle 7">
             <a:extLst>
               <a:ext uri="{FF2B5EF4-FFF2-40B4-BE49-F238E27FC236}">
-                <a16:creationId xmlns="" xmlns:a16="http://schemas.microsoft.com/office/drawing/2014/main" id="{F6423B97-A5D4-47B9-8861-73B3707A04CF}"/>
+                <a16:creationId xmlns:a16="http://schemas.microsoft.com/office/drawing/2014/main" xmlns="" id="{F6423B97-A5D4-47B9-8861-73B3707A04CF}"/>
               </a:ext>
             </a:extLst>
           </p:cNvPr>
@@ -1201,7 +1201,7 @@
           <p:cNvPr id="9" name="Rectangle 8">
             <a:extLst>
               <a:ext uri="{FF2B5EF4-FFF2-40B4-BE49-F238E27FC236}">
-                <a16:creationId xmlns="" xmlns:a16="http://schemas.microsoft.com/office/drawing/2014/main" id="{1AEC0421-37B4-4481-A10D-69FDF5EC7909}"/>
+                <a16:creationId xmlns:a16="http://schemas.microsoft.com/office/drawing/2014/main" xmlns="" id="{1AEC0421-37B4-4481-A10D-69FDF5EC7909}"/>
               </a:ext>
             </a:extLst>
           </p:cNvPr>
@@ -1244,7 +1244,7 @@
           <p:cNvPr id="10" name="Rectangle 9">
             <a:extLst>
               <a:ext uri="{FF2B5EF4-FFF2-40B4-BE49-F238E27FC236}">
-                <a16:creationId xmlns="" xmlns:a16="http://schemas.microsoft.com/office/drawing/2014/main" id="{5F7265B5-9F97-4F1E-99E9-74F7B7E62337}"/>
+                <a16:creationId xmlns:a16="http://schemas.microsoft.com/office/drawing/2014/main" xmlns="" id="{5F7265B5-9F97-4F1E-99E9-74F7B7E62337}"/>
               </a:ext>
             </a:extLst>
           </p:cNvPr>
@@ -1287,7 +1287,7 @@
           <p:cNvPr id="11" name="Date Placeholder 10">
             <a:extLst>
               <a:ext uri="{FF2B5EF4-FFF2-40B4-BE49-F238E27FC236}">
-                <a16:creationId xmlns="" xmlns:a16="http://schemas.microsoft.com/office/drawing/2014/main" id="{5C74A470-3BD3-4F33-80E5-67E6E87FCBE7}"/>
+                <a16:creationId xmlns:a16="http://schemas.microsoft.com/office/drawing/2014/main" xmlns="" id="{5C74A470-3BD3-4F33-80E5-67E6E87FCBE7}"/>
               </a:ext>
             </a:extLst>
           </p:cNvPr>
@@ -1317,7 +1317,7 @@
           <p:cNvPr id="12" name="Footer Placeholder 11">
             <a:extLst>
               <a:ext uri="{FF2B5EF4-FFF2-40B4-BE49-F238E27FC236}">
-                <a16:creationId xmlns="" xmlns:a16="http://schemas.microsoft.com/office/drawing/2014/main" id="{9A3A30BA-DB50-4D7D-BCDE-17D20FB354DF}"/>
+                <a16:creationId xmlns:a16="http://schemas.microsoft.com/office/drawing/2014/main" xmlns="" id="{9A3A30BA-DB50-4D7D-BCDE-17D20FB354DF}"/>
               </a:ext>
             </a:extLst>
           </p:cNvPr>
@@ -1350,7 +1350,7 @@
           <p:cNvPr id="13" name="Slide Number Placeholder 12">
             <a:extLst>
               <a:ext uri="{FF2B5EF4-FFF2-40B4-BE49-F238E27FC236}">
-                <a16:creationId xmlns="" xmlns:a16="http://schemas.microsoft.com/office/drawing/2014/main" id="{76FF9E58-C0B2-436B-A21C-DB45A00D6515}"/>
+                <a16:creationId xmlns:a16="http://schemas.microsoft.com/office/drawing/2014/main" xmlns="" id="{76FF9E58-C0B2-436B-A21C-DB45A00D6515}"/>
               </a:ext>
             </a:extLst>
           </p:cNvPr>
@@ -1378,7 +1378,7 @@
     </p:spTree>
     <p:extLst>
       <p:ext uri="{BB962C8B-B14F-4D97-AF65-F5344CB8AC3E}">
-        <p14:creationId xmlns="" xmlns:p14="http://schemas.microsoft.com/office/powerpoint/2010/main" val="3388849626"/>
+        <p14:creationId xmlns:p14="http://schemas.microsoft.com/office/powerpoint/2010/main" xmlns="" val="3388849626"/>
       </p:ext>
     </p:extLst>
   </p:cSld>
@@ -1493,7 +1493,7 @@
           <p:cNvPr id="8" name="Date Placeholder 7">
             <a:extLst>
               <a:ext uri="{FF2B5EF4-FFF2-40B4-BE49-F238E27FC236}">
-                <a16:creationId xmlns="" xmlns:a16="http://schemas.microsoft.com/office/drawing/2014/main" id="{770E6237-3456-439F-802D-3BA93FC7E3E5}"/>
+                <a16:creationId xmlns:a16="http://schemas.microsoft.com/office/drawing/2014/main" xmlns="" id="{770E6237-3456-439F-802D-3BA93FC7E3E5}"/>
               </a:ext>
             </a:extLst>
           </p:cNvPr>
@@ -1521,7 +1521,7 @@
     </p:spTree>
     <p:extLst>
       <p:ext uri="{BB962C8B-B14F-4D97-AF65-F5344CB8AC3E}">
-        <p14:creationId xmlns="" xmlns:p14="http://schemas.microsoft.com/office/powerpoint/2010/main" val="852443411"/>
+        <p14:creationId xmlns:p14="http://schemas.microsoft.com/office/powerpoint/2010/main" xmlns="" val="852443411"/>
       </p:ext>
     </p:extLst>
   </p:cSld>
@@ -1751,7 +1751,7 @@
           <p:cNvPr id="7" name="Date Placeholder 6">
             <a:extLst>
               <a:ext uri="{FF2B5EF4-FFF2-40B4-BE49-F238E27FC236}">
-                <a16:creationId xmlns="" xmlns:a16="http://schemas.microsoft.com/office/drawing/2014/main" id="{61582016-5696-4A93-887F-BBB3B9002FE5}"/>
+                <a16:creationId xmlns:a16="http://schemas.microsoft.com/office/drawing/2014/main" xmlns="" id="{61582016-5696-4A93-887F-BBB3B9002FE5}"/>
               </a:ext>
             </a:extLst>
           </p:cNvPr>
@@ -1781,7 +1781,7 @@
           <p:cNvPr id="9" name="Footer Placeholder 8">
             <a:extLst>
               <a:ext uri="{FF2B5EF4-FFF2-40B4-BE49-F238E27FC236}">
-                <a16:creationId xmlns="" xmlns:a16="http://schemas.microsoft.com/office/drawing/2014/main" id="{857CFCD5-1192-4E18-8A8F-29E153B44DA4}"/>
+                <a16:creationId xmlns:a16="http://schemas.microsoft.com/office/drawing/2014/main" xmlns="" id="{857CFCD5-1192-4E18-8A8F-29E153B44DA4}"/>
               </a:ext>
             </a:extLst>
           </p:cNvPr>
@@ -1814,7 +1814,7 @@
           <p:cNvPr id="10" name="Slide Number Placeholder 9">
             <a:extLst>
               <a:ext uri="{FF2B5EF4-FFF2-40B4-BE49-F238E27FC236}">
-                <a16:creationId xmlns="" xmlns:a16="http://schemas.microsoft.com/office/drawing/2014/main" id="{E39A109E-5018-4794-92B3-FD5E5BCD95E8}"/>
+                <a16:creationId xmlns:a16="http://schemas.microsoft.com/office/drawing/2014/main" xmlns="" id="{E39A109E-5018-4794-92B3-FD5E5BCD95E8}"/>
               </a:ext>
             </a:extLst>
           </p:cNvPr>
@@ -1842,7 +1842,7 @@
     </p:spTree>
     <p:extLst>
       <p:ext uri="{BB962C8B-B14F-4D97-AF65-F5344CB8AC3E}">
-        <p14:creationId xmlns="" xmlns:p14="http://schemas.microsoft.com/office/powerpoint/2010/main" val="366680978"/>
+        <p14:creationId xmlns:p14="http://schemas.microsoft.com/office/powerpoint/2010/main" xmlns="" val="366680978"/>
       </p:ext>
     </p:extLst>
   </p:cSld>
@@ -2090,7 +2090,7 @@
     </p:spTree>
     <p:extLst>
       <p:ext uri="{BB962C8B-B14F-4D97-AF65-F5344CB8AC3E}">
-        <p14:creationId xmlns="" xmlns:p14="http://schemas.microsoft.com/office/powerpoint/2010/main" val="2483323219"/>
+        <p14:creationId xmlns:p14="http://schemas.microsoft.com/office/powerpoint/2010/main" xmlns="" val="2483323219"/>
       </p:ext>
     </p:extLst>
   </p:cSld>
@@ -2519,7 +2519,7 @@
     </p:spTree>
     <p:extLst>
       <p:ext uri="{BB962C8B-B14F-4D97-AF65-F5344CB8AC3E}">
-        <p14:creationId xmlns="" xmlns:p14="http://schemas.microsoft.com/office/powerpoint/2010/main" val="1748046589"/>
+        <p14:creationId xmlns:p14="http://schemas.microsoft.com/office/powerpoint/2010/main" xmlns="" val="1748046589"/>
       </p:ext>
     </p:extLst>
   </p:cSld>
@@ -2651,7 +2651,7 @@
     </p:spTree>
     <p:extLst>
       <p:ext uri="{BB962C8B-B14F-4D97-AF65-F5344CB8AC3E}">
-        <p14:creationId xmlns="" xmlns:p14="http://schemas.microsoft.com/office/powerpoint/2010/main" val="112936382"/>
+        <p14:creationId xmlns:p14="http://schemas.microsoft.com/office/powerpoint/2010/main" xmlns="" val="112936382"/>
       </p:ext>
     </p:extLst>
   </p:cSld>
@@ -2756,7 +2756,7 @@
     </p:spTree>
     <p:extLst>
       <p:ext uri="{BB962C8B-B14F-4D97-AF65-F5344CB8AC3E}">
-        <p14:creationId xmlns="" xmlns:p14="http://schemas.microsoft.com/office/powerpoint/2010/main" val="1129494974"/>
+        <p14:creationId xmlns:p14="http://schemas.microsoft.com/office/powerpoint/2010/main" xmlns="" val="1129494974"/>
       </p:ext>
     </p:extLst>
   </p:cSld>
@@ -3057,7 +3057,7 @@
           <p:cNvPr id="8" name="Date Placeholder 7">
             <a:extLst>
               <a:ext uri="{FF2B5EF4-FFF2-40B4-BE49-F238E27FC236}">
-                <a16:creationId xmlns="" xmlns:a16="http://schemas.microsoft.com/office/drawing/2014/main" id="{0B919CC2-2A65-446F-B538-9E6249035445}"/>
+                <a16:creationId xmlns:a16="http://schemas.microsoft.com/office/drawing/2014/main" xmlns="" id="{0B919CC2-2A65-446F-B538-9E6249035445}"/>
               </a:ext>
             </a:extLst>
           </p:cNvPr>
@@ -3092,7 +3092,7 @@
           <p:cNvPr id="10" name="Footer Placeholder 9">
             <a:extLst>
               <a:ext uri="{FF2B5EF4-FFF2-40B4-BE49-F238E27FC236}">
-                <a16:creationId xmlns="" xmlns:a16="http://schemas.microsoft.com/office/drawing/2014/main" id="{B72412AE-119E-4982-8B24-63365EFCA796}"/>
+                <a16:creationId xmlns:a16="http://schemas.microsoft.com/office/drawing/2014/main" xmlns="" id="{B72412AE-119E-4982-8B24-63365EFCA796}"/>
               </a:ext>
             </a:extLst>
           </p:cNvPr>
@@ -3125,7 +3125,7 @@
           <p:cNvPr id="11" name="Slide Number Placeholder 10">
             <a:extLst>
               <a:ext uri="{FF2B5EF4-FFF2-40B4-BE49-F238E27FC236}">
-                <a16:creationId xmlns="" xmlns:a16="http://schemas.microsoft.com/office/drawing/2014/main" id="{7FC4BB19-6AD1-45CF-9F99-00B109890FAB}"/>
+                <a16:creationId xmlns:a16="http://schemas.microsoft.com/office/drawing/2014/main" xmlns="" id="{7FC4BB19-6AD1-45CF-9F99-00B109890FAB}"/>
               </a:ext>
             </a:extLst>
           </p:cNvPr>
@@ -3158,7 +3158,7 @@
     </p:spTree>
     <p:extLst>
       <p:ext uri="{BB962C8B-B14F-4D97-AF65-F5344CB8AC3E}">
-        <p14:creationId xmlns="" xmlns:p14="http://schemas.microsoft.com/office/powerpoint/2010/main" val="1261766693"/>
+        <p14:creationId xmlns:p14="http://schemas.microsoft.com/office/powerpoint/2010/main" xmlns="" val="1261766693"/>
       </p:ext>
     </p:extLst>
   </p:cSld>
@@ -3437,7 +3437,7 @@
     </p:spTree>
     <p:extLst>
       <p:ext uri="{BB962C8B-B14F-4D97-AF65-F5344CB8AC3E}">
-        <p14:creationId xmlns="" xmlns:p14="http://schemas.microsoft.com/office/powerpoint/2010/main" val="3573289553"/>
+        <p14:creationId xmlns:p14="http://schemas.microsoft.com/office/powerpoint/2010/main" xmlns="" val="3573289553"/>
       </p:ext>
     </p:extLst>
   </p:cSld>
@@ -3764,7 +3764,7 @@
           <p:cNvPr id="8" name="Picture 7" descr="Logo&#10;&#10;Description automatically generated">
             <a:extLst>
               <a:ext uri="{FF2B5EF4-FFF2-40B4-BE49-F238E27FC236}">
-                <a16:creationId xmlns="" xmlns:a16="http://schemas.microsoft.com/office/drawing/2014/main" id="{14A64E4D-8DED-7830-2955-1BE78C5B0655}"/>
+                <a16:creationId xmlns:a16="http://schemas.microsoft.com/office/drawing/2014/main" xmlns="" id="{14A64E4D-8DED-7830-2955-1BE78C5B0655}"/>
               </a:ext>
             </a:extLst>
           </p:cNvPr>
@@ -3792,7 +3792,7 @@
     </p:spTree>
     <p:extLst>
       <p:ext uri="{BB962C8B-B14F-4D97-AF65-F5344CB8AC3E}">
-        <p14:creationId xmlns="" xmlns:p14="http://schemas.microsoft.com/office/powerpoint/2010/main" val="3000897896"/>
+        <p14:creationId xmlns:p14="http://schemas.microsoft.com/office/powerpoint/2010/main" xmlns="" val="3000897896"/>
       </p:ext>
     </p:extLst>
   </p:cSld>
@@ -4229,7 +4229,7 @@
           <p:cNvPr id="2" name="Title 1">
             <a:extLst>
               <a:ext uri="{FF2B5EF4-FFF2-40B4-BE49-F238E27FC236}">
-                <a16:creationId xmlns="" xmlns:a16="http://schemas.microsoft.com/office/drawing/2014/main" id="{A8A11E26-4C38-41A6-9857-11032CEECD80}"/>
+                <a16:creationId xmlns:a16="http://schemas.microsoft.com/office/drawing/2014/main" xmlns="" id="{A8A11E26-4C38-41A6-9857-11032CEECD80}"/>
               </a:ext>
             </a:extLst>
           </p:cNvPr>
@@ -4435,7 +4435,7 @@
     </p:spTree>
     <p:extLst>
       <p:ext uri="{BB962C8B-B14F-4D97-AF65-F5344CB8AC3E}">
-        <p14:creationId xmlns="" xmlns:p14="http://schemas.microsoft.com/office/powerpoint/2010/main" val="953325580"/>
+        <p14:creationId xmlns:p14="http://schemas.microsoft.com/office/powerpoint/2010/main" xmlns="" val="953325580"/>
       </p:ext>
     </p:extLst>
   </p:cSld>
@@ -4467,7 +4467,7 @@
           <p:cNvPr id="2" name="Title 1">
             <a:extLst>
               <a:ext uri="{FF2B5EF4-FFF2-40B4-BE49-F238E27FC236}">
-                <a16:creationId xmlns="" xmlns:a16="http://schemas.microsoft.com/office/drawing/2014/main" id="{48E9F08C-D61F-627D-C4E5-397E3E84FC45}"/>
+                <a16:creationId xmlns:a16="http://schemas.microsoft.com/office/drawing/2014/main" xmlns="" id="{48E9F08C-D61F-627D-C4E5-397E3E84FC45}"/>
               </a:ext>
             </a:extLst>
           </p:cNvPr>
@@ -4499,7 +4499,7 @@
           <p:cNvPr id="3" name="Content Placeholder 2">
             <a:extLst>
               <a:ext uri="{FF2B5EF4-FFF2-40B4-BE49-F238E27FC236}">
-                <a16:creationId xmlns="" xmlns:a16="http://schemas.microsoft.com/office/drawing/2014/main" id="{51A299DD-46FA-7866-41D8-C1BFCC2F69DD}"/>
+                <a16:creationId xmlns:a16="http://schemas.microsoft.com/office/drawing/2014/main" xmlns="" id="{51A299DD-46FA-7866-41D8-C1BFCC2F69DD}"/>
               </a:ext>
             </a:extLst>
           </p:cNvPr>
@@ -4521,13 +4521,14 @@
               <a:buNone/>
             </a:pPr>
             <a:r>
-              <a:rPr lang="en-IN" sz="2800" b="1" dirty="0" smtClean="0">
+              <a:rPr lang="en-IN" sz="2800" dirty="0" smtClean="0">
                 <a:latin typeface="Times New Roman" pitchFamily="18" charset="0"/>
                 <a:cs typeface="Times New Roman" pitchFamily="18" charset="0"/>
+                <a:hlinkClick r:id="rId2"/>
               </a:rPr>
               <a:t>https://github.com/Tanishq-Kandari/AICTE-Internship.git</a:t>
             </a:r>
-            <a:endParaRPr lang="en-IN" sz="2800" b="1" dirty="0">
+            <a:endParaRPr lang="en-IN" sz="2800" dirty="0">
               <a:latin typeface="Times New Roman" pitchFamily="18" charset="0"/>
               <a:cs typeface="Times New Roman" pitchFamily="18" charset="0"/>
             </a:endParaRPr>
@@ -4537,7 +4538,7 @@
     </p:spTree>
     <p:extLst>
       <p:ext uri="{BB962C8B-B14F-4D97-AF65-F5344CB8AC3E}">
-        <p14:creationId xmlns="" xmlns:p14="http://schemas.microsoft.com/office/powerpoint/2010/main" val="2230664768"/>
+        <p14:creationId xmlns:p14="http://schemas.microsoft.com/office/powerpoint/2010/main" xmlns="" val="2230664768"/>
       </p:ext>
     </p:extLst>
   </p:cSld>
@@ -4569,7 +4570,7 @@
           <p:cNvPr id="5" name="Title 4">
             <a:extLst>
               <a:ext uri="{FF2B5EF4-FFF2-40B4-BE49-F238E27FC236}">
-                <a16:creationId xmlns="" xmlns:a16="http://schemas.microsoft.com/office/drawing/2014/main" id="{8BE4CA82-64EC-4D4E-A5E5-3EBB66E7B24C}"/>
+                <a16:creationId xmlns:a16="http://schemas.microsoft.com/office/drawing/2014/main" xmlns="" id="{8BE4CA82-64EC-4D4E-A5E5-3EBB66E7B24C}"/>
               </a:ext>
             </a:extLst>
           </p:cNvPr>
@@ -4607,7 +4608,7 @@
     </p:spTree>
     <p:extLst>
       <p:ext uri="{BB962C8B-B14F-4D97-AF65-F5344CB8AC3E}">
-        <p14:creationId xmlns="" xmlns:p14="http://schemas.microsoft.com/office/powerpoint/2010/main" val="4066255318"/>
+        <p14:creationId xmlns:p14="http://schemas.microsoft.com/office/powerpoint/2010/main" xmlns="" val="4066255318"/>
       </p:ext>
     </p:extLst>
   </p:cSld>
@@ -4639,7 +4640,7 @@
           <p:cNvPr id="2" name="Title 1">
             <a:extLst>
               <a:ext uri="{FF2B5EF4-FFF2-40B4-BE49-F238E27FC236}">
-                <a16:creationId xmlns="" xmlns:a16="http://schemas.microsoft.com/office/drawing/2014/main" id="{49FFEB4C-F209-4AE7-AA2B-B3C26CE2C51D}"/>
+                <a16:creationId xmlns:a16="http://schemas.microsoft.com/office/drawing/2014/main" xmlns="" id="{49FFEB4C-F209-4AE7-AA2B-B3C26CE2C51D}"/>
               </a:ext>
             </a:extLst>
           </p:cNvPr>
@@ -4678,7 +4679,7 @@
           <p:cNvPr id="3" name="Content Placeholder 2">
             <a:extLst>
               <a:ext uri="{FF2B5EF4-FFF2-40B4-BE49-F238E27FC236}">
-                <a16:creationId xmlns="" xmlns:a16="http://schemas.microsoft.com/office/drawing/2014/main" id="{B2678641-EEA3-4EC4-BF39-4075B0C120E8}"/>
+                <a16:creationId xmlns:a16="http://schemas.microsoft.com/office/drawing/2014/main" xmlns="" id="{B2678641-EEA3-4EC4-BF39-4075B0C120E8}"/>
               </a:ext>
             </a:extLst>
           </p:cNvPr>
@@ -4844,7 +4845,7 @@
     </p:spTree>
     <p:extLst>
       <p:ext uri="{BB962C8B-B14F-4D97-AF65-F5344CB8AC3E}">
-        <p14:creationId xmlns="" xmlns:p14="http://schemas.microsoft.com/office/powerpoint/2010/main" val="2900153716"/>
+        <p14:creationId xmlns:p14="http://schemas.microsoft.com/office/powerpoint/2010/main" xmlns="" val="2900153716"/>
       </p:ext>
     </p:extLst>
   </p:cSld>
@@ -4876,7 +4877,7 @@
           <p:cNvPr id="5" name="Title 4">
             <a:extLst>
               <a:ext uri="{FF2B5EF4-FFF2-40B4-BE49-F238E27FC236}">
-                <a16:creationId xmlns="" xmlns:a16="http://schemas.microsoft.com/office/drawing/2014/main" id="{8FBA75B4-2DD5-42EB-9397-F36BFB8BA723}"/>
+                <a16:creationId xmlns:a16="http://schemas.microsoft.com/office/drawing/2014/main" xmlns="" id="{8FBA75B4-2DD5-42EB-9397-F36BFB8BA723}"/>
               </a:ext>
             </a:extLst>
           </p:cNvPr>
@@ -4913,7 +4914,7 @@
           <p:cNvPr id="2" name="Content Placeholder 1">
             <a:extLst>
               <a:ext uri="{FF2B5EF4-FFF2-40B4-BE49-F238E27FC236}">
-                <a16:creationId xmlns="" xmlns:a16="http://schemas.microsoft.com/office/drawing/2014/main" id="{8FEE4A9C-3F57-7DA7-91FD-715C3FB47F93}"/>
+                <a16:creationId xmlns:a16="http://schemas.microsoft.com/office/drawing/2014/main" xmlns="" id="{8FEE4A9C-3F57-7DA7-91FD-715C3FB47F93}"/>
               </a:ext>
             </a:extLst>
           </p:cNvPr>
@@ -4971,7 +4972,7 @@
     </p:spTree>
     <p:extLst>
       <p:ext uri="{BB962C8B-B14F-4D97-AF65-F5344CB8AC3E}">
-        <p14:creationId xmlns="" xmlns:p14="http://schemas.microsoft.com/office/powerpoint/2010/main" val="1186421160"/>
+        <p14:creationId xmlns:p14="http://schemas.microsoft.com/office/powerpoint/2010/main" xmlns="" val="1186421160"/>
       </p:ext>
     </p:extLst>
   </p:cSld>
@@ -5003,7 +5004,7 @@
           <p:cNvPr id="5" name="Title 4">
             <a:extLst>
               <a:ext uri="{FF2B5EF4-FFF2-40B4-BE49-F238E27FC236}">
-                <a16:creationId xmlns="" xmlns:a16="http://schemas.microsoft.com/office/drawing/2014/main" id="{8FBA75B4-2DD5-42EB-9397-F36BFB8BA723}"/>
+                <a16:creationId xmlns:a16="http://schemas.microsoft.com/office/drawing/2014/main" xmlns="" id="{8FBA75B4-2DD5-42EB-9397-F36BFB8BA723}"/>
               </a:ext>
             </a:extLst>
           </p:cNvPr>
@@ -5040,7 +5041,7 @@
           <p:cNvPr id="3" name="Rectangle 1">
             <a:extLst>
               <a:ext uri="{FF2B5EF4-FFF2-40B4-BE49-F238E27FC236}">
-                <a16:creationId xmlns="" xmlns:a16="http://schemas.microsoft.com/office/drawing/2014/main" id="{33718772-5BE7-DAB6-7339-51A290D7ADBD}"/>
+                <a16:creationId xmlns:a16="http://schemas.microsoft.com/office/drawing/2014/main" xmlns="" id="{33718772-5BE7-DAB6-7339-51A290D7ADBD}"/>
               </a:ext>
             </a:extLst>
           </p:cNvPr>
@@ -5066,14 +5067,14 @@
           <a:effectLst/>
           <a:extLst>
             <a:ext uri="{909E8E84-426E-40DD-AFC4-6F175D3DCCD1}">
-              <a14:hiddenFill xmlns="" xmlns:a14="http://schemas.microsoft.com/office/drawing/2010/main">
+              <a14:hiddenFill xmlns:a14="http://schemas.microsoft.com/office/drawing/2010/main" xmlns="">
                 <a:solidFill>
                   <a:schemeClr val="accent1"/>
                 </a:solidFill>
               </a14:hiddenFill>
             </a:ext>
             <a:ext uri="{91240B29-F687-4F45-9708-019B960494DF}">
-              <a14:hiddenLine xmlns="" xmlns:a14="http://schemas.microsoft.com/office/drawing/2010/main" w="9525">
+              <a14:hiddenLine xmlns:a14="http://schemas.microsoft.com/office/drawing/2010/main" xmlns="" w="9525">
                 <a:solidFill>
                   <a:schemeClr val="tx1"/>
                 </a:solidFill>
@@ -5083,7 +5084,7 @@
               </a14:hiddenLine>
             </a:ext>
             <a:ext uri="{AF507438-7753-43E0-B8FC-AC1667EBCBE1}">
-              <a14:hiddenEffects xmlns="" xmlns:a14="http://schemas.microsoft.com/office/drawing/2010/main">
+              <a14:hiddenEffects xmlns:a14="http://schemas.microsoft.com/office/drawing/2010/main" xmlns="">
                 <a:effectLst>
                   <a:outerShdw dist="35921" dir="2700000" algn="ctr" rotWithShape="0">
                     <a:schemeClr val="bg2"/>
@@ -5634,7 +5635,7 @@
     </p:spTree>
     <p:extLst>
       <p:ext uri="{BB962C8B-B14F-4D97-AF65-F5344CB8AC3E}">
-        <p14:creationId xmlns="" xmlns:p14="http://schemas.microsoft.com/office/powerpoint/2010/main" val="3210358481"/>
+        <p14:creationId xmlns:p14="http://schemas.microsoft.com/office/powerpoint/2010/main" xmlns="" val="3210358481"/>
       </p:ext>
     </p:extLst>
   </p:cSld>
@@ -5666,7 +5667,7 @@
           <p:cNvPr id="5" name="Title 4">
             <a:extLst>
               <a:ext uri="{FF2B5EF4-FFF2-40B4-BE49-F238E27FC236}">
-                <a16:creationId xmlns="" xmlns:a16="http://schemas.microsoft.com/office/drawing/2014/main" id="{8FBA75B4-2DD5-42EB-9397-F36BFB8BA723}"/>
+                <a16:creationId xmlns:a16="http://schemas.microsoft.com/office/drawing/2014/main" xmlns="" id="{8FBA75B4-2DD5-42EB-9397-F36BFB8BA723}"/>
               </a:ext>
             </a:extLst>
           </p:cNvPr>
@@ -5715,7 +5716,7 @@
           <p:cNvPr id="2" name="Content Placeholder 1">
             <a:extLst>
               <a:ext uri="{FF2B5EF4-FFF2-40B4-BE49-F238E27FC236}">
-                <a16:creationId xmlns="" xmlns:a16="http://schemas.microsoft.com/office/drawing/2014/main" id="{C4FFAF3C-BA60-9181-132C-C36C403AAEA7}"/>
+                <a16:creationId xmlns:a16="http://schemas.microsoft.com/office/drawing/2014/main" xmlns="" id="{C4FFAF3C-BA60-9181-132C-C36C403AAEA7}"/>
               </a:ext>
             </a:extLst>
           </p:cNvPr>
@@ -5827,7 +5828,7 @@
     </p:spTree>
     <p:extLst>
       <p:ext uri="{BB962C8B-B14F-4D97-AF65-F5344CB8AC3E}">
-        <p14:creationId xmlns="" xmlns:p14="http://schemas.microsoft.com/office/powerpoint/2010/main" val="3202024527"/>
+        <p14:creationId xmlns:p14="http://schemas.microsoft.com/office/powerpoint/2010/main" xmlns="" val="3202024527"/>
       </p:ext>
     </p:extLst>
   </p:cSld>
@@ -5859,7 +5860,7 @@
           <p:cNvPr id="2" name="Title 1">
             <a:extLst>
               <a:ext uri="{FF2B5EF4-FFF2-40B4-BE49-F238E27FC236}">
-                <a16:creationId xmlns="" xmlns:a16="http://schemas.microsoft.com/office/drawing/2014/main" id="{5F45986D-DBC5-8220-FE6F-7F2ABC7C4CEE}"/>
+                <a16:creationId xmlns:a16="http://schemas.microsoft.com/office/drawing/2014/main" xmlns="" id="{5F45986D-DBC5-8220-FE6F-7F2ABC7C4CEE}"/>
               </a:ext>
             </a:extLst>
           </p:cNvPr>
@@ -5891,7 +5892,7 @@
           <p:cNvPr id="4" name="Rectangle 1">
             <a:extLst>
               <a:ext uri="{FF2B5EF4-FFF2-40B4-BE49-F238E27FC236}">
-                <a16:creationId xmlns="" xmlns:a16="http://schemas.microsoft.com/office/drawing/2014/main" id="{7C4DC756-C6A1-BABD-87B6-921C42C1DC5C}"/>
+                <a16:creationId xmlns:a16="http://schemas.microsoft.com/office/drawing/2014/main" xmlns="" id="{7C4DC756-C6A1-BABD-87B6-921C42C1DC5C}"/>
               </a:ext>
             </a:extLst>
           </p:cNvPr>
@@ -5917,14 +5918,14 @@
           <a:effectLst/>
           <a:extLst>
             <a:ext uri="{909E8E84-426E-40DD-AFC4-6F175D3DCCD1}">
-              <a14:hiddenFill xmlns="" xmlns:a14="http://schemas.microsoft.com/office/drawing/2010/main">
+              <a14:hiddenFill xmlns:a14="http://schemas.microsoft.com/office/drawing/2010/main" xmlns="">
                 <a:solidFill>
                   <a:schemeClr val="accent1"/>
                 </a:solidFill>
               </a14:hiddenFill>
             </a:ext>
             <a:ext uri="{91240B29-F687-4F45-9708-019B960494DF}">
-              <a14:hiddenLine xmlns="" xmlns:a14="http://schemas.microsoft.com/office/drawing/2010/main" w="9525">
+              <a14:hiddenLine xmlns:a14="http://schemas.microsoft.com/office/drawing/2010/main" xmlns="" w="9525">
                 <a:solidFill>
                   <a:schemeClr val="tx1"/>
                 </a:solidFill>
@@ -5934,7 +5935,7 @@
               </a14:hiddenLine>
             </a:ext>
             <a:ext uri="{AF507438-7753-43E0-B8FC-AC1667EBCBE1}">
-              <a14:hiddenEffects xmlns="" xmlns:a14="http://schemas.microsoft.com/office/drawing/2010/main">
+              <a14:hiddenEffects xmlns:a14="http://schemas.microsoft.com/office/drawing/2010/main" xmlns="">
                 <a:effectLst>
                   <a:outerShdw dist="35921" dir="2700000" algn="ctr" rotWithShape="0">
                     <a:schemeClr val="bg2"/>
@@ -6187,7 +6188,7 @@
     </p:spTree>
     <p:extLst>
       <p:ext uri="{BB962C8B-B14F-4D97-AF65-F5344CB8AC3E}">
-        <p14:creationId xmlns="" xmlns:p14="http://schemas.microsoft.com/office/powerpoint/2010/main" val="3819043843"/>
+        <p14:creationId xmlns:p14="http://schemas.microsoft.com/office/powerpoint/2010/main" xmlns="" val="3819043843"/>
       </p:ext>
     </p:extLst>
   </p:cSld>
@@ -6219,7 +6220,7 @@
           <p:cNvPr id="2" name="Title 1">
             <a:extLst>
               <a:ext uri="{FF2B5EF4-FFF2-40B4-BE49-F238E27FC236}">
-                <a16:creationId xmlns="" xmlns:a16="http://schemas.microsoft.com/office/drawing/2014/main" id="{A4F8070C-FF0D-BBE3-3D8A-C3794CCCE8A2}"/>
+                <a16:creationId xmlns:a16="http://schemas.microsoft.com/office/drawing/2014/main" xmlns="" id="{A4F8070C-FF0D-BBE3-3D8A-C3794CCCE8A2}"/>
               </a:ext>
             </a:extLst>
           </p:cNvPr>
@@ -6259,7 +6260,7 @@
           <p:cNvPr id="7" name="Picture 6" descr="1.&#10;">
             <a:extLst>
               <a:ext uri="{FF2B5EF4-FFF2-40B4-BE49-F238E27FC236}">
-                <a16:creationId xmlns="" xmlns:a16="http://schemas.microsoft.com/office/drawing/2014/main" id="{E6BC5DA2-37AB-972D-054D-EE6969259274}"/>
+                <a16:creationId xmlns:a16="http://schemas.microsoft.com/office/drawing/2014/main" xmlns="" id="{E6BC5DA2-37AB-972D-054D-EE6969259274}"/>
               </a:ext>
             </a:extLst>
           </p:cNvPr>
@@ -6288,7 +6289,7 @@
           <p:cNvPr id="9" name="Picture 8" descr="A screenshot of a computer&#10;&#10;AI-generated content may be incorrect.">
             <a:extLst>
               <a:ext uri="{FF2B5EF4-FFF2-40B4-BE49-F238E27FC236}">
-                <a16:creationId xmlns="" xmlns:a16="http://schemas.microsoft.com/office/drawing/2014/main" id="{444BB63F-F6CA-03A1-7001-A7C2993E0317}"/>
+                <a16:creationId xmlns:a16="http://schemas.microsoft.com/office/drawing/2014/main" xmlns="" id="{444BB63F-F6CA-03A1-7001-A7C2993E0317}"/>
               </a:ext>
             </a:extLst>
           </p:cNvPr>
@@ -6317,7 +6318,7 @@
           <p:cNvPr id="11" name="Picture 10" descr="A screenshot of a computer&#10;&#10;AI-generated content may be incorrect.">
             <a:extLst>
               <a:ext uri="{FF2B5EF4-FFF2-40B4-BE49-F238E27FC236}">
-                <a16:creationId xmlns="" xmlns:a16="http://schemas.microsoft.com/office/drawing/2014/main" id="{7293C31D-0E13-53C9-17F6-8158A04C372F}"/>
+                <a16:creationId xmlns:a16="http://schemas.microsoft.com/office/drawing/2014/main" xmlns="" id="{7293C31D-0E13-53C9-17F6-8158A04C372F}"/>
               </a:ext>
             </a:extLst>
           </p:cNvPr>
@@ -6346,7 +6347,7 @@
           <p:cNvPr id="21" name="Picture 20" descr="A screenshot of a computer&#10;&#10;AI-generated content may be incorrect.">
             <a:extLst>
               <a:ext uri="{FF2B5EF4-FFF2-40B4-BE49-F238E27FC236}">
-                <a16:creationId xmlns="" xmlns:a16="http://schemas.microsoft.com/office/drawing/2014/main" id="{1813DAC9-0322-FE77-4BDA-143E448D7FB7}"/>
+                <a16:creationId xmlns:a16="http://schemas.microsoft.com/office/drawing/2014/main" xmlns="" id="{1813DAC9-0322-FE77-4BDA-143E448D7FB7}"/>
               </a:ext>
             </a:extLst>
           </p:cNvPr>
@@ -6374,7 +6375,7 @@
     </p:spTree>
     <p:extLst>
       <p:ext uri="{BB962C8B-B14F-4D97-AF65-F5344CB8AC3E}">
-        <p14:creationId xmlns="" xmlns:p14="http://schemas.microsoft.com/office/powerpoint/2010/main" val="2083715239"/>
+        <p14:creationId xmlns:p14="http://schemas.microsoft.com/office/powerpoint/2010/main" xmlns="" val="2083715239"/>
       </p:ext>
     </p:extLst>
   </p:cSld>
@@ -6406,7 +6407,7 @@
           <p:cNvPr id="2" name="Title 1">
             <a:extLst>
               <a:ext uri="{FF2B5EF4-FFF2-40B4-BE49-F238E27FC236}">
-                <a16:creationId xmlns="" xmlns:a16="http://schemas.microsoft.com/office/drawing/2014/main" id="{AD3906D6-C8C1-A548-4A68-A7FE36BF31C1}"/>
+                <a16:creationId xmlns:a16="http://schemas.microsoft.com/office/drawing/2014/main" xmlns="" id="{AD3906D6-C8C1-A548-4A68-A7FE36BF31C1}"/>
               </a:ext>
             </a:extLst>
           </p:cNvPr>
@@ -6447,7 +6448,7 @@
           <p:cNvPr id="4" name="Picture 3" descr="A screenshot of a computer&#10;&#10;AI-generated content may be incorrect.">
             <a:extLst>
               <a:ext uri="{FF2B5EF4-FFF2-40B4-BE49-F238E27FC236}">
-                <a16:creationId xmlns="" xmlns:a16="http://schemas.microsoft.com/office/drawing/2014/main" id="{9C53D53F-4CD0-00EB-D553-41A2641ADC0D}"/>
+                <a16:creationId xmlns:a16="http://schemas.microsoft.com/office/drawing/2014/main" xmlns="" id="{9C53D53F-4CD0-00EB-D553-41A2641ADC0D}"/>
               </a:ext>
             </a:extLst>
           </p:cNvPr>
@@ -6476,7 +6477,7 @@
           <p:cNvPr id="13" name="Picture 12" descr="A screenshot of a computer&#10;&#10;AI-generated content may be incorrect.">
             <a:extLst>
               <a:ext uri="{FF2B5EF4-FFF2-40B4-BE49-F238E27FC236}">
-                <a16:creationId xmlns="" xmlns:a16="http://schemas.microsoft.com/office/drawing/2014/main" id="{70B94C97-55D5-7102-5FFC-13F8FBBFC7FA}"/>
+                <a16:creationId xmlns:a16="http://schemas.microsoft.com/office/drawing/2014/main" xmlns="" id="{70B94C97-55D5-7102-5FFC-13F8FBBFC7FA}"/>
               </a:ext>
             </a:extLst>
           </p:cNvPr>
@@ -6505,7 +6506,7 @@
           <p:cNvPr id="15" name="Picture 14" descr="A screenshot of a computer&#10;&#10;AI-generated content may be incorrect.">
             <a:extLst>
               <a:ext uri="{FF2B5EF4-FFF2-40B4-BE49-F238E27FC236}">
-                <a16:creationId xmlns="" xmlns:a16="http://schemas.microsoft.com/office/drawing/2014/main" id="{50FABA59-5957-4920-BB43-B66039E4099A}"/>
+                <a16:creationId xmlns:a16="http://schemas.microsoft.com/office/drawing/2014/main" xmlns="" id="{50FABA59-5957-4920-BB43-B66039E4099A}"/>
               </a:ext>
             </a:extLst>
           </p:cNvPr>
@@ -6532,7 +6533,7 @@
     </p:spTree>
     <p:extLst>
       <p:ext uri="{BB962C8B-B14F-4D97-AF65-F5344CB8AC3E}">
-        <p14:creationId xmlns="" xmlns:p14="http://schemas.microsoft.com/office/powerpoint/2010/main" val="1287528843"/>
+        <p14:creationId xmlns:p14="http://schemas.microsoft.com/office/powerpoint/2010/main" xmlns="" val="1287528843"/>
       </p:ext>
     </p:extLst>
   </p:cSld>
@@ -6564,7 +6565,7 @@
           <p:cNvPr id="2" name="Title 1">
             <a:extLst>
               <a:ext uri="{FF2B5EF4-FFF2-40B4-BE49-F238E27FC236}">
-                <a16:creationId xmlns="" xmlns:a16="http://schemas.microsoft.com/office/drawing/2014/main" id="{FA4C6B3D-1072-C2D2-EBFE-E33CABE394D1}"/>
+                <a16:creationId xmlns:a16="http://schemas.microsoft.com/office/drawing/2014/main" xmlns="" id="{FA4C6B3D-1072-C2D2-EBFE-E33CABE394D1}"/>
               </a:ext>
             </a:extLst>
           </p:cNvPr>
@@ -6596,7 +6597,7 @@
           <p:cNvPr id="3" name="Content Placeholder 2">
             <a:extLst>
               <a:ext uri="{FF2B5EF4-FFF2-40B4-BE49-F238E27FC236}">
-                <a16:creationId xmlns="" xmlns:a16="http://schemas.microsoft.com/office/drawing/2014/main" id="{D4974547-DF1B-77BB-E545-9344EDB9AD3F}"/>
+                <a16:creationId xmlns:a16="http://schemas.microsoft.com/office/drawing/2014/main" xmlns="" id="{D4974547-DF1B-77BB-E545-9344EDB9AD3F}"/>
               </a:ext>
             </a:extLst>
           </p:cNvPr>
@@ -6707,7 +6708,7 @@
     </p:spTree>
     <p:extLst>
       <p:ext uri="{BB962C8B-B14F-4D97-AF65-F5344CB8AC3E}">
-        <p14:creationId xmlns="" xmlns:p14="http://schemas.microsoft.com/office/powerpoint/2010/main" val="4233882376"/>
+        <p14:creationId xmlns:p14="http://schemas.microsoft.com/office/powerpoint/2010/main" xmlns="" val="4233882376"/>
       </p:ext>
     </p:extLst>
   </p:cSld>
@@ -6980,7 +6981,7 @@
   <a:extraClrSchemeLst/>
   <a:extLst>
     <a:ext uri="{05A4C25C-085E-4340-85A3-A5531E510DB2}">
-      <thm15:themeFamily xmlns="" xmlns:thm15="http://schemas.microsoft.com/office/thememl/2012/main" name="DividendVTI" id="{97558BDE-0B66-457C-BB6F-7B1B22DAA9B8}" vid="{F53508A3-AC60-448A-AF37-934D5F1A0D5E}"/>
+      <thm15:themeFamily xmlns:thm15="http://schemas.microsoft.com/office/thememl/2012/main" xmlns="" name="DividendVTI" id="{97558BDE-0B66-457C-BB6F-7B1B22DAA9B8}" vid="{F53508A3-AC60-448A-AF37-934D5F1A0D5E}"/>
     </a:ext>
   </a:extLst>
 </a:theme>
@@ -7275,19 +7276,18 @@
   <a:extraClrSchemeLst/>
   <a:extLst>
     <a:ext uri="{05A4C25C-085E-4340-85A3-A5531E510DB2}">
-      <thm15:themeFamily xmlns="" xmlns:thm15="http://schemas.microsoft.com/office/thememl/2012/main" name="Office Theme" id="{62F939B6-93AF-4DB8-9C6B-D6C7DFDC589F}" vid="{4A3C46E8-61CC-4603-A589-7422A47A8E4A}"/>
+      <thm15:themeFamily xmlns:thm15="http://schemas.microsoft.com/office/thememl/2012/main" xmlns="" name="Office Theme" id="{62F939B6-93AF-4DB8-9C6B-D6C7DFDC589F}" vid="{4A3C46E8-61CC-4603-A589-7422A47A8E4A}"/>
     </a:ext>
   </a:extLst>
 </a:theme>
 </file>
 
 <file path=customXml/item1.xml><?xml version="1.0" encoding="utf-8"?>
-<?mso-contentType ?>
-<FormTemplates xmlns="http://schemas.microsoft.com/sharepoint/v3/contenttype/forms">
-  <Display>DocumentLibraryForm</Display>
-  <Edit>DocumentLibraryForm</Edit>
-  <New>DocumentLibraryForm</New>
-</FormTemplates>
+<p:properties xmlns:p="http://schemas.microsoft.com/office/2006/metadata/properties" xmlns:xsi="http://www.w3.org/2001/XMLSchema-instance" xmlns:pc="http://schemas.microsoft.com/office/infopath/2007/PartnerControls">
+  <documentManagement>
+    <_activity xmlns="b30265f8-c5e2-4918-b4a1-b977299ca3e2" xsi:nil="true"/>
+  </documentManagement>
+</p:properties>
 </file>
 
 <file path=customXml/item2.xml><?xml version="1.0" encoding="utf-8"?>
@@ -7524,17 +7524,27 @@
 </file>
 
 <file path=customXml/item3.xml><?xml version="1.0" encoding="utf-8"?>
-<p:properties xmlns:p="http://schemas.microsoft.com/office/2006/metadata/properties" xmlns:xsi="http://www.w3.org/2001/XMLSchema-instance" xmlns:pc="http://schemas.microsoft.com/office/infopath/2007/PartnerControls">
-  <documentManagement>
-    <_activity xmlns="b30265f8-c5e2-4918-b4a1-b977299ca3e2" xsi:nil="true"/>
-  </documentManagement>
-</p:properties>
+<?mso-contentType ?>
+<FormTemplates xmlns="http://schemas.microsoft.com/sharepoint/v3/contenttype/forms">
+  <Display>DocumentLibraryForm</Display>
+  <Edit>DocumentLibraryForm</Edit>
+  <New>DocumentLibraryForm</New>
+</FormTemplates>
 </file>
 
 <file path=customXml/itemProps1.xml><?xml version="1.0" encoding="utf-8"?>
-<ds:datastoreItem xmlns:ds="http://schemas.openxmlformats.org/officeDocument/2006/customXml" ds:itemID="{927BD4C1-B6B1-4715-ABF9-E660A51A4EA0}">
+<ds:datastoreItem xmlns:ds="http://schemas.openxmlformats.org/officeDocument/2006/customXml" ds:itemID="{8D289AE2-D2AE-49D1-AFAC-3A79F6794255}">
   <ds:schemaRefs>
-    <ds:schemaRef ds:uri="http://schemas.microsoft.com/sharepoint/v3/contenttype/forms"/>
+    <ds:schemaRef ds:uri="http://schemas.openxmlformats.org/package/2006/metadata/core-properties"/>
+    <ds:schemaRef ds:uri="http://schemas.microsoft.com/office/2006/documentManagement/types"/>
+    <ds:schemaRef ds:uri="http://purl.org/dc/dcmitype/"/>
+    <ds:schemaRef ds:uri="http://schemas.microsoft.com/office/infopath/2007/PartnerControls"/>
+    <ds:schemaRef ds:uri="http://purl.org/dc/elements/1.1/"/>
+    <ds:schemaRef ds:uri="http://schemas.microsoft.com/office/2006/metadata/properties"/>
+    <ds:schemaRef ds:uri="fadb41d3-f9cb-40fb-903c-8cacaba95bb5"/>
+    <ds:schemaRef ds:uri="http://purl.org/dc/terms/"/>
+    <ds:schemaRef ds:uri="b30265f8-c5e2-4918-b4a1-b977299ca3e2"/>
+    <ds:schemaRef ds:uri="http://www.w3.org/XML/1998/namespace"/>
   </ds:schemaRefs>
 </ds:datastoreItem>
 </file>
@@ -7559,18 +7569,9 @@
 </file>
 
 <file path=customXml/itemProps3.xml><?xml version="1.0" encoding="utf-8"?>
-<ds:datastoreItem xmlns:ds="http://schemas.openxmlformats.org/officeDocument/2006/customXml" ds:itemID="{8D289AE2-D2AE-49D1-AFAC-3A79F6794255}">
+<ds:datastoreItem xmlns:ds="http://schemas.openxmlformats.org/officeDocument/2006/customXml" ds:itemID="{927BD4C1-B6B1-4715-ABF9-E660A51A4EA0}">
   <ds:schemaRefs>
-    <ds:schemaRef ds:uri="http://schemas.openxmlformats.org/package/2006/metadata/core-properties"/>
-    <ds:schemaRef ds:uri="http://schemas.microsoft.com/office/2006/documentManagement/types"/>
-    <ds:schemaRef ds:uri="http://purl.org/dc/dcmitype/"/>
-    <ds:schemaRef ds:uri="http://schemas.microsoft.com/office/infopath/2007/PartnerControls"/>
-    <ds:schemaRef ds:uri="http://purl.org/dc/elements/1.1/"/>
-    <ds:schemaRef ds:uri="http://schemas.microsoft.com/office/2006/metadata/properties"/>
-    <ds:schemaRef ds:uri="fadb41d3-f9cb-40fb-903c-8cacaba95bb5"/>
-    <ds:schemaRef ds:uri="http://purl.org/dc/terms/"/>
-    <ds:schemaRef ds:uri="b30265f8-c5e2-4918-b4a1-b977299ca3e2"/>
-    <ds:schemaRef ds:uri="http://www.w3.org/XML/1998/namespace"/>
+    <ds:schemaRef ds:uri="http://schemas.microsoft.com/sharepoint/v3/contenttype/forms"/>
   </ds:schemaRefs>
 </ds:datastoreItem>
 </file>